--- a/presentations/cs-long.pptx
+++ b/presentations/cs-long.pptx
@@ -16,8 +16,14 @@
     <p:sldId id="260" r:id="rId10"/>
     <p:sldId id="261" r:id="rId11"/>
     <p:sldId id="262" r:id="rId12"/>
-    <p:sldId id="263" r:id="rId13"/>
-    <p:sldId id="264" r:id="rId14"/>
+    <p:sldId id="264" r:id="rId13"/>
+    <p:sldId id="269" r:id="rId14"/>
+    <p:sldId id="270" r:id="rId15"/>
+    <p:sldId id="271" r:id="rId16"/>
+    <p:sldId id="273" r:id="rId17"/>
+    <p:sldId id="272" r:id="rId18"/>
+    <p:sldId id="274" r:id="rId19"/>
+    <p:sldId id="275" r:id="rId20"/>
   </p:sldIdLst>
   <p:sldSz cx="9144000" cy="6858000" type="screen4x3"/>
   <p:notesSz cx="6858000" cy="9144000"/>
@@ -2616,10 +2622,9 @@
           <a:lstStyle/>
           <a:p>
             <a:r>
-              <a:rPr lang="en-GB" sz="2800" dirty="0" smtClean="0"/>
-              <a:t>Run 5: Crowd, Experts &amp; More Statistical Games with text features</a:t>
-            </a:r>
-            <a:endParaRPr lang="en-GB" sz="2800" dirty="0"/>
+              <a:rPr lang="en-GB" sz="2400" dirty="0"/>
+              <a:t>Run 5: Crowd, Experts &amp; More Statistical Games with text &amp; Visual features</a:t>
+            </a:r>
           </a:p>
         </p:txBody>
       </p:sp>
@@ -2799,41 +2804,608 @@
         <p:spPr/>
         <p:txBody>
           <a:bodyPr>
-            <a:noAutofit/>
+            <a:normAutofit/>
           </a:bodyPr>
           <a:lstStyle/>
           <a:p>
             <a:r>
-              <a:rPr lang="en-GB" sz="2400" dirty="0" smtClean="0"/>
-              <a:t>Run 5: Crowd, Experts &amp; More Statistical Games with text &amp; Visual features</a:t>
-            </a:r>
-            <a:endParaRPr lang="en-GB" sz="2400" dirty="0"/>
+              <a:rPr lang="en-GB" sz="3600" dirty="0" smtClean="0"/>
+              <a:t>Results and observations</a:t>
+            </a:r>
+            <a:endParaRPr lang="en-GB" sz="3600" dirty="0"/>
           </a:p>
         </p:txBody>
       </p:sp>
-      <p:sp>
-        <p:nvSpPr>
-          <p:cNvPr id="3" name="Content Placeholder 2"/>
-          <p:cNvSpPr>
-            <a:spLocks noGrp="1"/>
-          </p:cNvSpPr>
+      <p:graphicFrame>
+        <p:nvGraphicFramePr>
+          <p:cNvPr id="4" name="Content Placeholder 3"/>
+          <p:cNvGraphicFramePr>
+            <a:graphicFrameLocks noGrp="1"/>
+          </p:cNvGraphicFramePr>
           <p:nvPr>
             <p:ph idx="1"/>
+            <p:extLst>
+              <p:ext uri="{D42A27DB-BD31-4B8C-83A1-F6EECF244321}">
+                <p14:modId xmlns:p14="http://schemas.microsoft.com/office/powerpoint/2010/main" val="4018710129"/>
+              </p:ext>
+            </p:extLst>
           </p:nvPr>
-        </p:nvSpPr>
-        <p:spPr/>
-        <p:txBody>
-          <a:bodyPr/>
-          <a:lstStyle/>
-          <a:p>
-            <a:endParaRPr lang="en-GB" dirty="0"/>
-          </a:p>
-        </p:txBody>
-      </p:sp>
+        </p:nvGraphicFramePr>
+        <p:xfrm>
+          <a:off x="457200" y="1600200"/>
+          <a:ext cx="8229600" cy="2225040"/>
+        </p:xfrm>
+        <a:graphic>
+          <a:graphicData uri="http://schemas.openxmlformats.org/drawingml/2006/table">
+            <a:tbl>
+              <a:tblPr firstRow="1" bandRow="1">
+                <a:tableStyleId>{5C22544A-7EE6-4342-B048-85BDC9FD1C3A}</a:tableStyleId>
+              </a:tblPr>
+              <a:tblGrid>
+                <a:gridCol w="2743200"/>
+                <a:gridCol w="2743200"/>
+                <a:gridCol w="2743200"/>
+              </a:tblGrid>
+              <a:tr h="370840">
+                <a:tc>
+                  <a:txBody>
+                    <a:bodyPr/>
+                    <a:lstStyle/>
+                    <a:p>
+                      <a:r>
+                        <a:rPr lang="en-US" sz="1600" dirty="0">
+                          <a:solidFill>
+                            <a:schemeClr val="tx1"/>
+                          </a:solidFill>
+                          <a:effectLst/>
+                          <a:latin typeface="Digital Strip"/>
+                          <a:cs typeface="Digital Strip"/>
+                        </a:rPr>
+                        <a:t>Run # </a:t>
+                      </a:r>
+                      <a:endParaRPr lang="en-US" sz="4400" dirty="0">
+                        <a:solidFill>
+                          <a:schemeClr val="tx1"/>
+                        </a:solidFill>
+                        <a:effectLst/>
+                        <a:latin typeface="Digital Strip"/>
+                        <a:cs typeface="Digital Strip"/>
+                      </a:endParaRPr>
+                    </a:p>
+                  </a:txBody>
+                  <a:tcPr anchor="ctr">
+                    <a:noFill/>
+                  </a:tcPr>
+                </a:tc>
+                <a:tc>
+                  <a:txBody>
+                    <a:bodyPr/>
+                    <a:lstStyle/>
+                    <a:p>
+                      <a:r>
+                        <a:rPr lang="en-US" sz="1600">
+                          <a:solidFill>
+                            <a:schemeClr val="tx1"/>
+                          </a:solidFill>
+                          <a:effectLst/>
+                          <a:latin typeface="Digital Strip"/>
+                          <a:cs typeface="Digital Strip"/>
+                        </a:rPr>
+                        <a:t>Label 1 F1 Score </a:t>
+                      </a:r>
+                      <a:endParaRPr lang="en-US" sz="4400">
+                        <a:solidFill>
+                          <a:schemeClr val="tx1"/>
+                        </a:solidFill>
+                        <a:effectLst/>
+                        <a:latin typeface="Digital Strip"/>
+                        <a:cs typeface="Digital Strip"/>
+                      </a:endParaRPr>
+                    </a:p>
+                  </a:txBody>
+                  <a:tcPr anchor="ctr">
+                    <a:noFill/>
+                  </a:tcPr>
+                </a:tc>
+                <a:tc>
+                  <a:txBody>
+                    <a:bodyPr/>
+                    <a:lstStyle/>
+                    <a:p>
+                      <a:r>
+                        <a:rPr lang="en-US" sz="1600">
+                          <a:solidFill>
+                            <a:schemeClr val="tx1"/>
+                          </a:solidFill>
+                          <a:effectLst/>
+                          <a:latin typeface="Digital Strip"/>
+                          <a:cs typeface="Digital Strip"/>
+                        </a:rPr>
+                        <a:t>Label 2 F1 Score </a:t>
+                      </a:r>
+                      <a:endParaRPr lang="en-US" sz="4400">
+                        <a:solidFill>
+                          <a:schemeClr val="tx1"/>
+                        </a:solidFill>
+                        <a:effectLst/>
+                        <a:latin typeface="Digital Strip"/>
+                        <a:cs typeface="Digital Strip"/>
+                      </a:endParaRPr>
+                    </a:p>
+                  </a:txBody>
+                  <a:tcPr anchor="ctr">
+                    <a:noFill/>
+                  </a:tcPr>
+                </a:tc>
+              </a:tr>
+              <a:tr h="370840">
+                <a:tc>
+                  <a:txBody>
+                    <a:bodyPr/>
+                    <a:lstStyle/>
+                    <a:p>
+                      <a:r>
+                        <a:rPr lang="en-US" sz="1600" dirty="0">
+                          <a:solidFill>
+                            <a:schemeClr val="tx1"/>
+                          </a:solidFill>
+                          <a:effectLst/>
+                          <a:latin typeface="Digital Strip"/>
+                          <a:cs typeface="Digital Strip"/>
+                        </a:rPr>
+                        <a:t>1 </a:t>
+                      </a:r>
+                      <a:endParaRPr lang="en-US" sz="4400" dirty="0">
+                        <a:solidFill>
+                          <a:schemeClr val="tx1"/>
+                        </a:solidFill>
+                        <a:effectLst/>
+                        <a:latin typeface="Digital Strip"/>
+                        <a:cs typeface="Digital Strip"/>
+                      </a:endParaRPr>
+                    </a:p>
+                  </a:txBody>
+                  <a:tcPr anchor="ctr">
+                    <a:noFill/>
+                  </a:tcPr>
+                </a:tc>
+                <a:tc>
+                  <a:txBody>
+                    <a:bodyPr/>
+                    <a:lstStyle/>
+                    <a:p>
+                      <a:r>
+                        <a:rPr lang="en-US" sz="1600">
+                          <a:solidFill>
+                            <a:schemeClr val="tx1"/>
+                          </a:solidFill>
+                          <a:effectLst/>
+                          <a:latin typeface="Digital Strip"/>
+                          <a:cs typeface="Digital Strip"/>
+                        </a:rPr>
+                        <a:t>0.7352 </a:t>
+                      </a:r>
+                      <a:endParaRPr lang="en-US" sz="4400">
+                        <a:solidFill>
+                          <a:schemeClr val="tx1"/>
+                        </a:solidFill>
+                        <a:effectLst/>
+                        <a:latin typeface="Digital Strip"/>
+                        <a:cs typeface="Digital Strip"/>
+                      </a:endParaRPr>
+                    </a:p>
+                  </a:txBody>
+                  <a:tcPr anchor="ctr">
+                    <a:noFill/>
+                  </a:tcPr>
+                </a:tc>
+                <a:tc>
+                  <a:txBody>
+                    <a:bodyPr/>
+                    <a:lstStyle/>
+                    <a:p>
+                      <a:r>
+                        <a:rPr lang="en-US" sz="1600">
+                          <a:solidFill>
+                            <a:schemeClr val="tx1"/>
+                          </a:solidFill>
+                          <a:effectLst/>
+                          <a:latin typeface="Digital Strip"/>
+                          <a:cs typeface="Digital Strip"/>
+                        </a:rPr>
+                        <a:t>0.7636 </a:t>
+                      </a:r>
+                      <a:endParaRPr lang="en-US" sz="4400">
+                        <a:solidFill>
+                          <a:schemeClr val="tx1"/>
+                        </a:solidFill>
+                        <a:effectLst/>
+                        <a:latin typeface="Digital Strip"/>
+                        <a:cs typeface="Digital Strip"/>
+                      </a:endParaRPr>
+                    </a:p>
+                  </a:txBody>
+                  <a:tcPr anchor="ctr">
+                    <a:noFill/>
+                  </a:tcPr>
+                </a:tc>
+              </a:tr>
+              <a:tr h="370840">
+                <a:tc>
+                  <a:txBody>
+                    <a:bodyPr/>
+                    <a:lstStyle/>
+                    <a:p>
+                      <a:r>
+                        <a:rPr lang="en-US" sz="1600">
+                          <a:solidFill>
+                            <a:schemeClr val="tx1"/>
+                          </a:solidFill>
+                          <a:effectLst/>
+                          <a:latin typeface="Digital Strip"/>
+                          <a:cs typeface="Digital Strip"/>
+                        </a:rPr>
+                        <a:t>2 </a:t>
+                      </a:r>
+                      <a:endParaRPr lang="en-US" sz="4400">
+                        <a:solidFill>
+                          <a:schemeClr val="tx1"/>
+                        </a:solidFill>
+                        <a:effectLst/>
+                        <a:latin typeface="Digital Strip"/>
+                        <a:cs typeface="Digital Strip"/>
+                      </a:endParaRPr>
+                    </a:p>
+                  </a:txBody>
+                  <a:tcPr anchor="ctr">
+                    <a:noFill/>
+                  </a:tcPr>
+                </a:tc>
+                <a:tc>
+                  <a:txBody>
+                    <a:bodyPr/>
+                    <a:lstStyle/>
+                    <a:p>
+                      <a:r>
+                        <a:rPr lang="en-US" sz="1600">
+                          <a:solidFill>
+                            <a:schemeClr val="tx1"/>
+                          </a:solidFill>
+                          <a:effectLst/>
+                          <a:latin typeface="Digital Strip"/>
+                          <a:cs typeface="Digital Strip"/>
+                        </a:rPr>
+                        <a:t>0.8377 </a:t>
+                      </a:r>
+                      <a:endParaRPr lang="en-US" sz="4400">
+                        <a:solidFill>
+                          <a:schemeClr val="tx1"/>
+                        </a:solidFill>
+                        <a:effectLst/>
+                        <a:latin typeface="Digital Strip"/>
+                        <a:cs typeface="Digital Strip"/>
+                      </a:endParaRPr>
+                    </a:p>
+                  </a:txBody>
+                  <a:tcPr anchor="ctr">
+                    <a:noFill/>
+                  </a:tcPr>
+                </a:tc>
+                <a:tc>
+                  <a:txBody>
+                    <a:bodyPr/>
+                    <a:lstStyle/>
+                    <a:p>
+                      <a:r>
+                        <a:rPr lang="en-US" sz="1600">
+                          <a:solidFill>
+                            <a:schemeClr val="tx1"/>
+                          </a:solidFill>
+                          <a:effectLst/>
+                          <a:latin typeface="Digital Strip"/>
+                          <a:cs typeface="Digital Strip"/>
+                        </a:rPr>
+                        <a:t>0.7621 </a:t>
+                      </a:r>
+                      <a:endParaRPr lang="en-US" sz="4400">
+                        <a:solidFill>
+                          <a:schemeClr val="tx1"/>
+                        </a:solidFill>
+                        <a:effectLst/>
+                        <a:latin typeface="Digital Strip"/>
+                        <a:cs typeface="Digital Strip"/>
+                      </a:endParaRPr>
+                    </a:p>
+                  </a:txBody>
+                  <a:tcPr anchor="ctr">
+                    <a:noFill/>
+                  </a:tcPr>
+                </a:tc>
+              </a:tr>
+              <a:tr h="370840">
+                <a:tc>
+                  <a:txBody>
+                    <a:bodyPr/>
+                    <a:lstStyle/>
+                    <a:p>
+                      <a:r>
+                        <a:rPr lang="en-US" sz="1600">
+                          <a:solidFill>
+                            <a:schemeClr val="tx1"/>
+                          </a:solidFill>
+                          <a:effectLst/>
+                          <a:latin typeface="Digital Strip"/>
+                          <a:cs typeface="Digital Strip"/>
+                        </a:rPr>
+                        <a:t>3 </a:t>
+                      </a:r>
+                      <a:endParaRPr lang="en-US" sz="4400">
+                        <a:solidFill>
+                          <a:schemeClr val="tx1"/>
+                        </a:solidFill>
+                        <a:effectLst/>
+                        <a:latin typeface="Digital Strip"/>
+                        <a:cs typeface="Digital Strip"/>
+                      </a:endParaRPr>
+                    </a:p>
+                  </a:txBody>
+                  <a:tcPr anchor="ctr">
+                    <a:noFill/>
+                  </a:tcPr>
+                </a:tc>
+                <a:tc>
+                  <a:txBody>
+                    <a:bodyPr/>
+                    <a:lstStyle/>
+                    <a:p>
+                      <a:r>
+                        <a:rPr lang="en-US" sz="1600" dirty="0">
+                          <a:solidFill>
+                            <a:schemeClr val="tx1"/>
+                          </a:solidFill>
+                          <a:effectLst/>
+                          <a:latin typeface="Digital Strip"/>
+                          <a:cs typeface="Digital Strip"/>
+                        </a:rPr>
+                        <a:t>0.7198 </a:t>
+                      </a:r>
+                      <a:endParaRPr lang="en-US" sz="4400" dirty="0">
+                        <a:solidFill>
+                          <a:schemeClr val="tx1"/>
+                        </a:solidFill>
+                        <a:effectLst/>
+                        <a:latin typeface="Digital Strip"/>
+                        <a:cs typeface="Digital Strip"/>
+                      </a:endParaRPr>
+                    </a:p>
+                  </a:txBody>
+                  <a:tcPr anchor="ctr">
+                    <a:noFill/>
+                  </a:tcPr>
+                </a:tc>
+                <a:tc>
+                  <a:txBody>
+                    <a:bodyPr/>
+                    <a:lstStyle/>
+                    <a:p>
+                      <a:r>
+                        <a:rPr lang="en-US" sz="1600">
+                          <a:solidFill>
+                            <a:schemeClr val="tx1"/>
+                          </a:solidFill>
+                          <a:effectLst/>
+                          <a:latin typeface="Digital Strip"/>
+                          <a:cs typeface="Digital Strip"/>
+                        </a:rPr>
+                        <a:t>0.7710 </a:t>
+                      </a:r>
+                      <a:endParaRPr lang="en-US" sz="4400">
+                        <a:solidFill>
+                          <a:schemeClr val="tx1"/>
+                        </a:solidFill>
+                        <a:effectLst/>
+                        <a:latin typeface="Digital Strip"/>
+                        <a:cs typeface="Digital Strip"/>
+                      </a:endParaRPr>
+                    </a:p>
+                  </a:txBody>
+                  <a:tcPr anchor="ctr">
+                    <a:noFill/>
+                  </a:tcPr>
+                </a:tc>
+              </a:tr>
+              <a:tr h="370840">
+                <a:tc>
+                  <a:txBody>
+                    <a:bodyPr/>
+                    <a:lstStyle/>
+                    <a:p>
+                      <a:r>
+                        <a:rPr lang="en-US" sz="1600">
+                          <a:solidFill>
+                            <a:schemeClr val="tx1"/>
+                          </a:solidFill>
+                          <a:effectLst/>
+                          <a:latin typeface="Digital Strip"/>
+                          <a:cs typeface="Digital Strip"/>
+                        </a:rPr>
+                        <a:t>4 </a:t>
+                      </a:r>
+                      <a:endParaRPr lang="en-US" sz="4400">
+                        <a:solidFill>
+                          <a:schemeClr val="tx1"/>
+                        </a:solidFill>
+                        <a:effectLst/>
+                        <a:latin typeface="Digital Strip"/>
+                        <a:cs typeface="Digital Strip"/>
+                      </a:endParaRPr>
+                    </a:p>
+                  </a:txBody>
+                  <a:tcPr anchor="ctr">
+                    <a:noFill/>
+                  </a:tcPr>
+                </a:tc>
+                <a:tc>
+                  <a:txBody>
+                    <a:bodyPr/>
+                    <a:lstStyle/>
+                    <a:p>
+                      <a:r>
+                        <a:rPr lang="en-US" sz="1600">
+                          <a:solidFill>
+                            <a:schemeClr val="tx1"/>
+                          </a:solidFill>
+                          <a:effectLst/>
+                          <a:latin typeface="Digital Strip"/>
+                          <a:cs typeface="Digital Strip"/>
+                        </a:rPr>
+                        <a:t>0.7097 </a:t>
+                      </a:r>
+                      <a:endParaRPr lang="en-US" sz="4400">
+                        <a:solidFill>
+                          <a:schemeClr val="tx1"/>
+                        </a:solidFill>
+                        <a:effectLst/>
+                        <a:latin typeface="Digital Strip"/>
+                        <a:cs typeface="Digital Strip"/>
+                      </a:endParaRPr>
+                    </a:p>
+                  </a:txBody>
+                  <a:tcPr anchor="ctr">
+                    <a:noFill/>
+                  </a:tcPr>
+                </a:tc>
+                <a:tc>
+                  <a:txBody>
+                    <a:bodyPr/>
+                    <a:lstStyle/>
+                    <a:p>
+                      <a:r>
+                        <a:rPr lang="en-US" sz="1600">
+                          <a:solidFill>
+                            <a:schemeClr val="tx1"/>
+                          </a:solidFill>
+                          <a:effectLst/>
+                          <a:latin typeface="Digital Strip"/>
+                          <a:cs typeface="Digital Strip"/>
+                        </a:rPr>
+                        <a:t>0.7528 </a:t>
+                      </a:r>
+                      <a:endParaRPr lang="en-US" sz="4400">
+                        <a:solidFill>
+                          <a:schemeClr val="tx1"/>
+                        </a:solidFill>
+                        <a:effectLst/>
+                        <a:latin typeface="Digital Strip"/>
+                        <a:cs typeface="Digital Strip"/>
+                      </a:endParaRPr>
+                    </a:p>
+                  </a:txBody>
+                  <a:tcPr anchor="ctr">
+                    <a:noFill/>
+                  </a:tcPr>
+                </a:tc>
+              </a:tr>
+              <a:tr h="370840">
+                <a:tc>
+                  <a:txBody>
+                    <a:bodyPr/>
+                    <a:lstStyle/>
+                    <a:p>
+                      <a:r>
+                        <a:rPr lang="en-US" sz="1600">
+                          <a:solidFill>
+                            <a:schemeClr val="tx1"/>
+                          </a:solidFill>
+                          <a:effectLst/>
+                          <a:latin typeface="Digital Strip"/>
+                          <a:cs typeface="Digital Strip"/>
+                        </a:rPr>
+                        <a:t>5 </a:t>
+                      </a:r>
+                      <a:endParaRPr lang="en-US" sz="4400">
+                        <a:solidFill>
+                          <a:schemeClr val="tx1"/>
+                        </a:solidFill>
+                        <a:effectLst/>
+                        <a:latin typeface="Digital Strip"/>
+                        <a:cs typeface="Digital Strip"/>
+                      </a:endParaRPr>
+                    </a:p>
+                  </a:txBody>
+                  <a:tcPr anchor="ctr">
+                    <a:noFill/>
+                  </a:tcPr>
+                </a:tc>
+                <a:tc>
+                  <a:txBody>
+                    <a:bodyPr/>
+                    <a:lstStyle/>
+                    <a:p>
+                      <a:r>
+                        <a:rPr lang="en-US" sz="1600">
+                          <a:solidFill>
+                            <a:schemeClr val="tx1"/>
+                          </a:solidFill>
+                          <a:effectLst/>
+                          <a:latin typeface="Digital Strip"/>
+                          <a:cs typeface="Digital Strip"/>
+                        </a:rPr>
+                        <a:t>0.6427 </a:t>
+                      </a:r>
+                      <a:endParaRPr lang="en-US" sz="4400">
+                        <a:solidFill>
+                          <a:schemeClr val="tx1"/>
+                        </a:solidFill>
+                        <a:effectLst/>
+                        <a:latin typeface="Digital Strip"/>
+                        <a:cs typeface="Digital Strip"/>
+                      </a:endParaRPr>
+                    </a:p>
+                  </a:txBody>
+                  <a:tcPr anchor="ctr">
+                    <a:noFill/>
+                  </a:tcPr>
+                </a:tc>
+                <a:tc>
+                  <a:txBody>
+                    <a:bodyPr/>
+                    <a:lstStyle/>
+                    <a:p>
+                      <a:r>
+                        <a:rPr lang="en-US" sz="1600" dirty="0">
+                          <a:solidFill>
+                            <a:schemeClr val="tx1"/>
+                          </a:solidFill>
+                          <a:effectLst/>
+                          <a:latin typeface="Digital Strip"/>
+                          <a:cs typeface="Digital Strip"/>
+                        </a:rPr>
+                        <a:t>0.6026 </a:t>
+                      </a:r>
+                      <a:endParaRPr lang="en-US" sz="4400" dirty="0">
+                        <a:solidFill>
+                          <a:schemeClr val="tx1"/>
+                        </a:solidFill>
+                        <a:effectLst/>
+                        <a:latin typeface="Digital Strip"/>
+                        <a:cs typeface="Digital Strip"/>
+                      </a:endParaRPr>
+                    </a:p>
+                  </a:txBody>
+                  <a:tcPr anchor="ctr">
+                    <a:noFill/>
+                  </a:tcPr>
+                </a:tc>
+              </a:tr>
+            </a:tbl>
+          </a:graphicData>
+        </a:graphic>
+      </p:graphicFrame>
     </p:spTree>
     <p:extLst>
       <p:ext uri="{BB962C8B-B14F-4D97-AF65-F5344CB8AC3E}">
-        <p14:creationId xmlns:p14="http://schemas.microsoft.com/office/powerpoint/2010/main" val="1338320316"/>
+        <p14:creationId xmlns:p14="http://schemas.microsoft.com/office/powerpoint/2010/main" val="796180944"/>
       </p:ext>
     </p:extLst>
   </p:cSld>
@@ -2872,14 +3444,3076 @@
         </p:nvSpPr>
         <p:spPr/>
         <p:txBody>
-          <a:bodyPr/>
+          <a:bodyPr>
+            <a:normAutofit/>
+          </a:bodyPr>
           <a:lstStyle/>
           <a:p>
             <a:r>
-              <a:rPr lang="en-GB" dirty="0" smtClean="0"/>
-              <a:t>Results</a:t>
-            </a:r>
-            <a:endParaRPr lang="en-GB" dirty="0"/>
+              <a:rPr lang="en-GB" sz="3600" dirty="0" smtClean="0"/>
+              <a:t>Results and observations</a:t>
+            </a:r>
+            <a:endParaRPr lang="en-GB" sz="3600" dirty="0"/>
+          </a:p>
+        </p:txBody>
+      </p:sp>
+      <p:graphicFrame>
+        <p:nvGraphicFramePr>
+          <p:cNvPr id="4" name="Content Placeholder 3"/>
+          <p:cNvGraphicFramePr>
+            <a:graphicFrameLocks noGrp="1"/>
+          </p:cNvGraphicFramePr>
+          <p:nvPr>
+            <p:ph idx="1"/>
+            <p:extLst>
+              <p:ext uri="{D42A27DB-BD31-4B8C-83A1-F6EECF244321}">
+                <p14:modId xmlns:p14="http://schemas.microsoft.com/office/powerpoint/2010/main" val="1675728770"/>
+              </p:ext>
+            </p:extLst>
+          </p:nvPr>
+        </p:nvGraphicFramePr>
+        <p:xfrm>
+          <a:off x="457200" y="1600200"/>
+          <a:ext cx="8229600" cy="2225040"/>
+        </p:xfrm>
+        <a:graphic>
+          <a:graphicData uri="http://schemas.openxmlformats.org/drawingml/2006/table">
+            <a:tbl>
+              <a:tblPr firstRow="1" bandRow="1">
+                <a:tableStyleId>{5C22544A-7EE6-4342-B048-85BDC9FD1C3A}</a:tableStyleId>
+              </a:tblPr>
+              <a:tblGrid>
+                <a:gridCol w="2743200"/>
+                <a:gridCol w="2743200"/>
+                <a:gridCol w="2743200"/>
+              </a:tblGrid>
+              <a:tr h="370840">
+                <a:tc>
+                  <a:txBody>
+                    <a:bodyPr/>
+                    <a:lstStyle/>
+                    <a:p>
+                      <a:r>
+                        <a:rPr lang="en-US" sz="1600" dirty="0">
+                          <a:solidFill>
+                            <a:schemeClr val="tx1"/>
+                          </a:solidFill>
+                          <a:effectLst/>
+                          <a:latin typeface="Digital Strip"/>
+                          <a:cs typeface="Digital Strip"/>
+                        </a:rPr>
+                        <a:t>Run # </a:t>
+                      </a:r>
+                      <a:endParaRPr lang="en-US" sz="4400" dirty="0">
+                        <a:solidFill>
+                          <a:schemeClr val="tx1"/>
+                        </a:solidFill>
+                        <a:effectLst/>
+                        <a:latin typeface="Digital Strip"/>
+                        <a:cs typeface="Digital Strip"/>
+                      </a:endParaRPr>
+                    </a:p>
+                  </a:txBody>
+                  <a:tcPr anchor="ctr">
+                    <a:noFill/>
+                  </a:tcPr>
+                </a:tc>
+                <a:tc>
+                  <a:txBody>
+                    <a:bodyPr/>
+                    <a:lstStyle/>
+                    <a:p>
+                      <a:r>
+                        <a:rPr lang="en-US" sz="1600">
+                          <a:solidFill>
+                            <a:schemeClr val="tx1"/>
+                          </a:solidFill>
+                          <a:effectLst/>
+                          <a:latin typeface="Digital Strip"/>
+                          <a:cs typeface="Digital Strip"/>
+                        </a:rPr>
+                        <a:t>Label 1 F1 Score </a:t>
+                      </a:r>
+                      <a:endParaRPr lang="en-US" sz="4400">
+                        <a:solidFill>
+                          <a:schemeClr val="tx1"/>
+                        </a:solidFill>
+                        <a:effectLst/>
+                        <a:latin typeface="Digital Strip"/>
+                        <a:cs typeface="Digital Strip"/>
+                      </a:endParaRPr>
+                    </a:p>
+                  </a:txBody>
+                  <a:tcPr anchor="ctr">
+                    <a:noFill/>
+                  </a:tcPr>
+                </a:tc>
+                <a:tc>
+                  <a:txBody>
+                    <a:bodyPr/>
+                    <a:lstStyle/>
+                    <a:p>
+                      <a:r>
+                        <a:rPr lang="en-US" sz="1600">
+                          <a:solidFill>
+                            <a:schemeClr val="tx1"/>
+                          </a:solidFill>
+                          <a:effectLst/>
+                          <a:latin typeface="Digital Strip"/>
+                          <a:cs typeface="Digital Strip"/>
+                        </a:rPr>
+                        <a:t>Label 2 F1 Score </a:t>
+                      </a:r>
+                      <a:endParaRPr lang="en-US" sz="4400">
+                        <a:solidFill>
+                          <a:schemeClr val="tx1"/>
+                        </a:solidFill>
+                        <a:effectLst/>
+                        <a:latin typeface="Digital Strip"/>
+                        <a:cs typeface="Digital Strip"/>
+                      </a:endParaRPr>
+                    </a:p>
+                  </a:txBody>
+                  <a:tcPr anchor="ctr">
+                    <a:noFill/>
+                  </a:tcPr>
+                </a:tc>
+              </a:tr>
+              <a:tr h="370840">
+                <a:tc>
+                  <a:txBody>
+                    <a:bodyPr/>
+                    <a:lstStyle/>
+                    <a:p>
+                      <a:r>
+                        <a:rPr lang="en-US" sz="1600" dirty="0">
+                          <a:solidFill>
+                            <a:schemeClr val="tx1"/>
+                          </a:solidFill>
+                          <a:effectLst/>
+                          <a:latin typeface="Digital Strip"/>
+                          <a:cs typeface="Digital Strip"/>
+                        </a:rPr>
+                        <a:t>1 </a:t>
+                      </a:r>
+                      <a:endParaRPr lang="en-US" sz="4400" dirty="0">
+                        <a:solidFill>
+                          <a:schemeClr val="tx1"/>
+                        </a:solidFill>
+                        <a:effectLst/>
+                        <a:latin typeface="Digital Strip"/>
+                        <a:cs typeface="Digital Strip"/>
+                      </a:endParaRPr>
+                    </a:p>
+                  </a:txBody>
+                  <a:tcPr anchor="ctr">
+                    <a:noFill/>
+                  </a:tcPr>
+                </a:tc>
+                <a:tc>
+                  <a:txBody>
+                    <a:bodyPr/>
+                    <a:lstStyle/>
+                    <a:p>
+                      <a:r>
+                        <a:rPr lang="en-US" sz="1600">
+                          <a:solidFill>
+                            <a:schemeClr val="tx1"/>
+                          </a:solidFill>
+                          <a:effectLst/>
+                          <a:latin typeface="Digital Strip"/>
+                          <a:cs typeface="Digital Strip"/>
+                        </a:rPr>
+                        <a:t>0.7352 </a:t>
+                      </a:r>
+                      <a:endParaRPr lang="en-US" sz="4400">
+                        <a:solidFill>
+                          <a:schemeClr val="tx1"/>
+                        </a:solidFill>
+                        <a:effectLst/>
+                        <a:latin typeface="Digital Strip"/>
+                        <a:cs typeface="Digital Strip"/>
+                      </a:endParaRPr>
+                    </a:p>
+                  </a:txBody>
+                  <a:tcPr anchor="ctr">
+                    <a:noFill/>
+                  </a:tcPr>
+                </a:tc>
+                <a:tc>
+                  <a:txBody>
+                    <a:bodyPr/>
+                    <a:lstStyle/>
+                    <a:p>
+                      <a:r>
+                        <a:rPr lang="en-US" sz="1600">
+                          <a:solidFill>
+                            <a:schemeClr val="tx1"/>
+                          </a:solidFill>
+                          <a:effectLst/>
+                          <a:latin typeface="Digital Strip"/>
+                          <a:cs typeface="Digital Strip"/>
+                        </a:rPr>
+                        <a:t>0.7636 </a:t>
+                      </a:r>
+                      <a:endParaRPr lang="en-US" sz="4400">
+                        <a:solidFill>
+                          <a:schemeClr val="tx1"/>
+                        </a:solidFill>
+                        <a:effectLst/>
+                        <a:latin typeface="Digital Strip"/>
+                        <a:cs typeface="Digital Strip"/>
+                      </a:endParaRPr>
+                    </a:p>
+                  </a:txBody>
+                  <a:tcPr anchor="ctr">
+                    <a:noFill/>
+                  </a:tcPr>
+                </a:tc>
+              </a:tr>
+              <a:tr h="370840">
+                <a:tc>
+                  <a:txBody>
+                    <a:bodyPr/>
+                    <a:lstStyle/>
+                    <a:p>
+                      <a:r>
+                        <a:rPr lang="en-US" sz="1600">
+                          <a:solidFill>
+                            <a:schemeClr val="tx1"/>
+                          </a:solidFill>
+                          <a:effectLst/>
+                          <a:latin typeface="Digital Strip"/>
+                          <a:cs typeface="Digital Strip"/>
+                        </a:rPr>
+                        <a:t>2 </a:t>
+                      </a:r>
+                      <a:endParaRPr lang="en-US" sz="4400">
+                        <a:solidFill>
+                          <a:schemeClr val="tx1"/>
+                        </a:solidFill>
+                        <a:effectLst/>
+                        <a:latin typeface="Digital Strip"/>
+                        <a:cs typeface="Digital Strip"/>
+                      </a:endParaRPr>
+                    </a:p>
+                  </a:txBody>
+                  <a:tcPr anchor="ctr">
+                    <a:noFill/>
+                  </a:tcPr>
+                </a:tc>
+                <a:tc>
+                  <a:txBody>
+                    <a:bodyPr/>
+                    <a:lstStyle/>
+                    <a:p>
+                      <a:r>
+                        <a:rPr lang="en-US" sz="1600">
+                          <a:solidFill>
+                            <a:schemeClr val="tx1"/>
+                          </a:solidFill>
+                          <a:effectLst/>
+                          <a:latin typeface="Digital Strip"/>
+                          <a:cs typeface="Digital Strip"/>
+                        </a:rPr>
+                        <a:t>0.8377 </a:t>
+                      </a:r>
+                      <a:endParaRPr lang="en-US" sz="4400">
+                        <a:solidFill>
+                          <a:schemeClr val="tx1"/>
+                        </a:solidFill>
+                        <a:effectLst/>
+                        <a:latin typeface="Digital Strip"/>
+                        <a:cs typeface="Digital Strip"/>
+                      </a:endParaRPr>
+                    </a:p>
+                  </a:txBody>
+                  <a:tcPr anchor="ctr">
+                    <a:noFill/>
+                  </a:tcPr>
+                </a:tc>
+                <a:tc>
+                  <a:txBody>
+                    <a:bodyPr/>
+                    <a:lstStyle/>
+                    <a:p>
+                      <a:r>
+                        <a:rPr lang="en-US" sz="1600">
+                          <a:solidFill>
+                            <a:schemeClr val="tx1"/>
+                          </a:solidFill>
+                          <a:effectLst/>
+                          <a:latin typeface="Digital Strip"/>
+                          <a:cs typeface="Digital Strip"/>
+                        </a:rPr>
+                        <a:t>0.7621 </a:t>
+                      </a:r>
+                      <a:endParaRPr lang="en-US" sz="4400">
+                        <a:solidFill>
+                          <a:schemeClr val="tx1"/>
+                        </a:solidFill>
+                        <a:effectLst/>
+                        <a:latin typeface="Digital Strip"/>
+                        <a:cs typeface="Digital Strip"/>
+                      </a:endParaRPr>
+                    </a:p>
+                  </a:txBody>
+                  <a:tcPr anchor="ctr">
+                    <a:noFill/>
+                  </a:tcPr>
+                </a:tc>
+              </a:tr>
+              <a:tr h="370840">
+                <a:tc>
+                  <a:txBody>
+                    <a:bodyPr/>
+                    <a:lstStyle/>
+                    <a:p>
+                      <a:r>
+                        <a:rPr lang="en-US" sz="1600">
+                          <a:solidFill>
+                            <a:schemeClr val="tx1"/>
+                          </a:solidFill>
+                          <a:effectLst/>
+                          <a:latin typeface="Digital Strip"/>
+                          <a:cs typeface="Digital Strip"/>
+                        </a:rPr>
+                        <a:t>3 </a:t>
+                      </a:r>
+                      <a:endParaRPr lang="en-US" sz="4400">
+                        <a:solidFill>
+                          <a:schemeClr val="tx1"/>
+                        </a:solidFill>
+                        <a:effectLst/>
+                        <a:latin typeface="Digital Strip"/>
+                        <a:cs typeface="Digital Strip"/>
+                      </a:endParaRPr>
+                    </a:p>
+                  </a:txBody>
+                  <a:tcPr anchor="ctr">
+                    <a:noFill/>
+                  </a:tcPr>
+                </a:tc>
+                <a:tc>
+                  <a:txBody>
+                    <a:bodyPr/>
+                    <a:lstStyle/>
+                    <a:p>
+                      <a:r>
+                        <a:rPr lang="en-US" sz="1600" dirty="0">
+                          <a:solidFill>
+                            <a:schemeClr val="tx1"/>
+                          </a:solidFill>
+                          <a:effectLst/>
+                          <a:latin typeface="Digital Strip"/>
+                          <a:cs typeface="Digital Strip"/>
+                        </a:rPr>
+                        <a:t>0.7198 </a:t>
+                      </a:r>
+                      <a:endParaRPr lang="en-US" sz="4400" dirty="0">
+                        <a:solidFill>
+                          <a:schemeClr val="tx1"/>
+                        </a:solidFill>
+                        <a:effectLst/>
+                        <a:latin typeface="Digital Strip"/>
+                        <a:cs typeface="Digital Strip"/>
+                      </a:endParaRPr>
+                    </a:p>
+                  </a:txBody>
+                  <a:tcPr anchor="ctr">
+                    <a:noFill/>
+                  </a:tcPr>
+                </a:tc>
+                <a:tc>
+                  <a:txBody>
+                    <a:bodyPr/>
+                    <a:lstStyle/>
+                    <a:p>
+                      <a:r>
+                        <a:rPr lang="en-US" sz="1600">
+                          <a:solidFill>
+                            <a:schemeClr val="tx1"/>
+                          </a:solidFill>
+                          <a:effectLst/>
+                          <a:latin typeface="Digital Strip"/>
+                          <a:cs typeface="Digital Strip"/>
+                        </a:rPr>
+                        <a:t>0.7710 </a:t>
+                      </a:r>
+                      <a:endParaRPr lang="en-US" sz="4400">
+                        <a:solidFill>
+                          <a:schemeClr val="tx1"/>
+                        </a:solidFill>
+                        <a:effectLst/>
+                        <a:latin typeface="Digital Strip"/>
+                        <a:cs typeface="Digital Strip"/>
+                      </a:endParaRPr>
+                    </a:p>
+                  </a:txBody>
+                  <a:tcPr anchor="ctr">
+                    <a:noFill/>
+                  </a:tcPr>
+                </a:tc>
+              </a:tr>
+              <a:tr h="370840">
+                <a:tc>
+                  <a:txBody>
+                    <a:bodyPr/>
+                    <a:lstStyle/>
+                    <a:p>
+                      <a:r>
+                        <a:rPr lang="en-US" sz="1600">
+                          <a:solidFill>
+                            <a:schemeClr val="tx1"/>
+                          </a:solidFill>
+                          <a:effectLst/>
+                          <a:latin typeface="Digital Strip"/>
+                          <a:cs typeface="Digital Strip"/>
+                        </a:rPr>
+                        <a:t>4 </a:t>
+                      </a:r>
+                      <a:endParaRPr lang="en-US" sz="4400">
+                        <a:solidFill>
+                          <a:schemeClr val="tx1"/>
+                        </a:solidFill>
+                        <a:effectLst/>
+                        <a:latin typeface="Digital Strip"/>
+                        <a:cs typeface="Digital Strip"/>
+                      </a:endParaRPr>
+                    </a:p>
+                  </a:txBody>
+                  <a:tcPr anchor="ctr">
+                    <a:noFill/>
+                  </a:tcPr>
+                </a:tc>
+                <a:tc>
+                  <a:txBody>
+                    <a:bodyPr/>
+                    <a:lstStyle/>
+                    <a:p>
+                      <a:r>
+                        <a:rPr lang="en-US" sz="1600">
+                          <a:solidFill>
+                            <a:schemeClr val="tx1"/>
+                          </a:solidFill>
+                          <a:effectLst/>
+                          <a:latin typeface="Digital Strip"/>
+                          <a:cs typeface="Digital Strip"/>
+                        </a:rPr>
+                        <a:t>0.7097 </a:t>
+                      </a:r>
+                      <a:endParaRPr lang="en-US" sz="4400">
+                        <a:solidFill>
+                          <a:schemeClr val="tx1"/>
+                        </a:solidFill>
+                        <a:effectLst/>
+                        <a:latin typeface="Digital Strip"/>
+                        <a:cs typeface="Digital Strip"/>
+                      </a:endParaRPr>
+                    </a:p>
+                  </a:txBody>
+                  <a:tcPr anchor="ctr">
+                    <a:noFill/>
+                  </a:tcPr>
+                </a:tc>
+                <a:tc>
+                  <a:txBody>
+                    <a:bodyPr/>
+                    <a:lstStyle/>
+                    <a:p>
+                      <a:r>
+                        <a:rPr lang="en-US" sz="1600">
+                          <a:solidFill>
+                            <a:schemeClr val="tx1"/>
+                          </a:solidFill>
+                          <a:effectLst/>
+                          <a:latin typeface="Digital Strip"/>
+                          <a:cs typeface="Digital Strip"/>
+                        </a:rPr>
+                        <a:t>0.7528 </a:t>
+                      </a:r>
+                      <a:endParaRPr lang="en-US" sz="4400">
+                        <a:solidFill>
+                          <a:schemeClr val="tx1"/>
+                        </a:solidFill>
+                        <a:effectLst/>
+                        <a:latin typeface="Digital Strip"/>
+                        <a:cs typeface="Digital Strip"/>
+                      </a:endParaRPr>
+                    </a:p>
+                  </a:txBody>
+                  <a:tcPr anchor="ctr">
+                    <a:noFill/>
+                  </a:tcPr>
+                </a:tc>
+              </a:tr>
+              <a:tr h="370840">
+                <a:tc>
+                  <a:txBody>
+                    <a:bodyPr/>
+                    <a:lstStyle/>
+                    <a:p>
+                      <a:r>
+                        <a:rPr lang="en-US" sz="1600">
+                          <a:solidFill>
+                            <a:schemeClr val="tx1"/>
+                          </a:solidFill>
+                          <a:effectLst/>
+                          <a:latin typeface="Digital Strip"/>
+                          <a:cs typeface="Digital Strip"/>
+                        </a:rPr>
+                        <a:t>5 </a:t>
+                      </a:r>
+                      <a:endParaRPr lang="en-US" sz="4400">
+                        <a:solidFill>
+                          <a:schemeClr val="tx1"/>
+                        </a:solidFill>
+                        <a:effectLst/>
+                        <a:latin typeface="Digital Strip"/>
+                        <a:cs typeface="Digital Strip"/>
+                      </a:endParaRPr>
+                    </a:p>
+                  </a:txBody>
+                  <a:tcPr anchor="ctr">
+                    <a:noFill/>
+                  </a:tcPr>
+                </a:tc>
+                <a:tc>
+                  <a:txBody>
+                    <a:bodyPr/>
+                    <a:lstStyle/>
+                    <a:p>
+                      <a:r>
+                        <a:rPr lang="en-US" sz="1600">
+                          <a:solidFill>
+                            <a:schemeClr val="tx1"/>
+                          </a:solidFill>
+                          <a:effectLst/>
+                          <a:latin typeface="Digital Strip"/>
+                          <a:cs typeface="Digital Strip"/>
+                        </a:rPr>
+                        <a:t>0.6427 </a:t>
+                      </a:r>
+                      <a:endParaRPr lang="en-US" sz="4400">
+                        <a:solidFill>
+                          <a:schemeClr val="tx1"/>
+                        </a:solidFill>
+                        <a:effectLst/>
+                        <a:latin typeface="Digital Strip"/>
+                        <a:cs typeface="Digital Strip"/>
+                      </a:endParaRPr>
+                    </a:p>
+                  </a:txBody>
+                  <a:tcPr anchor="ctr">
+                    <a:noFill/>
+                  </a:tcPr>
+                </a:tc>
+                <a:tc>
+                  <a:txBody>
+                    <a:bodyPr/>
+                    <a:lstStyle/>
+                    <a:p>
+                      <a:r>
+                        <a:rPr lang="en-US" sz="1600" dirty="0">
+                          <a:solidFill>
+                            <a:schemeClr val="tx1"/>
+                          </a:solidFill>
+                          <a:effectLst/>
+                          <a:latin typeface="Digital Strip"/>
+                          <a:cs typeface="Digital Strip"/>
+                        </a:rPr>
+                        <a:t>0.6026 </a:t>
+                      </a:r>
+                      <a:endParaRPr lang="en-US" sz="4400" dirty="0">
+                        <a:solidFill>
+                          <a:schemeClr val="tx1"/>
+                        </a:solidFill>
+                        <a:effectLst/>
+                        <a:latin typeface="Digital Strip"/>
+                        <a:cs typeface="Digital Strip"/>
+                      </a:endParaRPr>
+                    </a:p>
+                  </a:txBody>
+                  <a:tcPr anchor="ctr">
+                    <a:noFill/>
+                  </a:tcPr>
+                </a:tc>
+              </a:tr>
+            </a:tbl>
+          </a:graphicData>
+        </a:graphic>
+      </p:graphicFrame>
+      <p:sp>
+        <p:nvSpPr>
+          <p:cNvPr id="5" name="Oval 4"/>
+          <p:cNvSpPr/>
+          <p:nvPr/>
+        </p:nvSpPr>
+        <p:spPr>
+          <a:xfrm>
+            <a:off x="3175000" y="2338917"/>
+            <a:ext cx="1058333" cy="370416"/>
+          </a:xfrm>
+          <a:prstGeom prst="ellipse">
+            <a:avLst/>
+          </a:prstGeom>
+          <a:noFill/>
+          <a:ln w="28575" cmpd="sng"/>
+          <a:effectLst/>
+        </p:spPr>
+        <p:style>
+          <a:lnRef idx="1">
+            <a:schemeClr val="accent1"/>
+          </a:lnRef>
+          <a:fillRef idx="3">
+            <a:schemeClr val="accent1"/>
+          </a:fillRef>
+          <a:effectRef idx="2">
+            <a:schemeClr val="accent1"/>
+          </a:effectRef>
+          <a:fontRef idx="minor">
+            <a:schemeClr val="lt1"/>
+          </a:fontRef>
+        </p:style>
+        <p:txBody>
+          <a:bodyPr rtlCol="0" anchor="ctr"/>
+          <a:lstStyle/>
+          <a:p>
+            <a:pPr algn="ctr"/>
+            <a:endParaRPr lang="en-GB"/>
+          </a:p>
+        </p:txBody>
+      </p:sp>
+      <p:sp>
+        <p:nvSpPr>
+          <p:cNvPr id="6" name="TextBox 5"/>
+          <p:cNvSpPr txBox="1"/>
+          <p:nvPr/>
+        </p:nvSpPr>
+        <p:spPr>
+          <a:xfrm>
+            <a:off x="579966" y="4529667"/>
+            <a:ext cx="8106834" cy="954107"/>
+          </a:xfrm>
+          <a:prstGeom prst="rect">
+            <a:avLst/>
+          </a:prstGeom>
+          <a:noFill/>
+        </p:spPr>
+        <p:txBody>
+          <a:bodyPr wrap="square" rtlCol="0">
+            <a:spAutoFit/>
+          </a:bodyPr>
+          <a:lstStyle/>
+          <a:p>
+            <a:r>
+              <a:rPr lang="en-GB" sz="2800" dirty="0" smtClean="0">
+                <a:solidFill>
+                  <a:schemeClr val="accent1"/>
+                </a:solidFill>
+                <a:latin typeface="Avenir Book"/>
+                <a:cs typeface="Avenir Book"/>
+              </a:rPr>
+              <a:t>Additional data </a:t>
+            </a:r>
+            <a:r>
+              <a:rPr lang="en-GB" sz="2800" dirty="0" smtClean="0">
+                <a:solidFill>
+                  <a:schemeClr val="accent1"/>
+                </a:solidFill>
+                <a:latin typeface="Avenir Black"/>
+                <a:cs typeface="Avenir Black"/>
+              </a:rPr>
+              <a:t>really</a:t>
+            </a:r>
+            <a:r>
+              <a:rPr lang="en-GB" sz="2800" dirty="0" smtClean="0">
+                <a:solidFill>
+                  <a:schemeClr val="accent1"/>
+                </a:solidFill>
+                <a:latin typeface="Avenir Book"/>
+                <a:cs typeface="Avenir Book"/>
+              </a:rPr>
+              <a:t> helped with the first label, but not the second</a:t>
+            </a:r>
+            <a:endParaRPr lang="en-GB" sz="2800" dirty="0">
+              <a:solidFill>
+                <a:schemeClr val="accent1"/>
+              </a:solidFill>
+              <a:latin typeface="Avenir Book"/>
+              <a:cs typeface="Avenir Book"/>
+            </a:endParaRPr>
+          </a:p>
+        </p:txBody>
+      </p:sp>
+      <p:sp>
+        <p:nvSpPr>
+          <p:cNvPr id="7" name="Oval 6"/>
+          <p:cNvSpPr/>
+          <p:nvPr/>
+        </p:nvSpPr>
+        <p:spPr>
+          <a:xfrm>
+            <a:off x="5884332" y="2338918"/>
+            <a:ext cx="1058333" cy="370416"/>
+          </a:xfrm>
+          <a:prstGeom prst="ellipse">
+            <a:avLst/>
+          </a:prstGeom>
+          <a:noFill/>
+          <a:ln w="28575" cmpd="sng"/>
+          <a:effectLst/>
+        </p:spPr>
+        <p:style>
+          <a:lnRef idx="1">
+            <a:schemeClr val="accent1"/>
+          </a:lnRef>
+          <a:fillRef idx="3">
+            <a:schemeClr val="accent1"/>
+          </a:fillRef>
+          <a:effectRef idx="2">
+            <a:schemeClr val="accent1"/>
+          </a:effectRef>
+          <a:fontRef idx="minor">
+            <a:schemeClr val="lt1"/>
+          </a:fontRef>
+        </p:style>
+        <p:txBody>
+          <a:bodyPr rtlCol="0" anchor="ctr"/>
+          <a:lstStyle/>
+          <a:p>
+            <a:pPr algn="ctr"/>
+            <a:endParaRPr lang="en-GB"/>
+          </a:p>
+        </p:txBody>
+      </p:sp>
+    </p:spTree>
+    <p:extLst>
+      <p:ext uri="{BB962C8B-B14F-4D97-AF65-F5344CB8AC3E}">
+        <p14:creationId xmlns:p14="http://schemas.microsoft.com/office/powerpoint/2010/main" val="2961012896"/>
+      </p:ext>
+    </p:extLst>
+  </p:cSld>
+  <p:clrMapOvr>
+    <a:masterClrMapping/>
+  </p:clrMapOvr>
+</p:sld>
+</file>
+
+<file path=ppt/slides/slide14.xml><?xml version="1.0" encoding="utf-8"?>
+<p:sld xmlns:a="http://schemas.openxmlformats.org/drawingml/2006/main" xmlns:r="http://schemas.openxmlformats.org/officeDocument/2006/relationships" xmlns:p="http://schemas.openxmlformats.org/presentationml/2006/main">
+  <p:cSld>
+    <p:spTree>
+      <p:nvGrpSpPr>
+        <p:cNvPr id="1" name=""/>
+        <p:cNvGrpSpPr/>
+        <p:nvPr/>
+      </p:nvGrpSpPr>
+      <p:grpSpPr>
+        <a:xfrm>
+          <a:off x="0" y="0"/>
+          <a:ext cx="0" cy="0"/>
+          <a:chOff x="0" y="0"/>
+          <a:chExt cx="0" cy="0"/>
+        </a:xfrm>
+      </p:grpSpPr>
+      <p:sp>
+        <p:nvSpPr>
+          <p:cNvPr id="2" name="Title 1"/>
+          <p:cNvSpPr>
+            <a:spLocks noGrp="1"/>
+          </p:cNvSpPr>
+          <p:nvPr>
+            <p:ph type="title"/>
+          </p:nvPr>
+        </p:nvSpPr>
+        <p:spPr/>
+        <p:txBody>
+          <a:bodyPr>
+            <a:normAutofit/>
+          </a:bodyPr>
+          <a:lstStyle/>
+          <a:p>
+            <a:r>
+              <a:rPr lang="en-GB" sz="3600" dirty="0" smtClean="0"/>
+              <a:t>Results and observations</a:t>
+            </a:r>
+            <a:endParaRPr lang="en-GB" sz="3600" dirty="0"/>
+          </a:p>
+        </p:txBody>
+      </p:sp>
+      <p:graphicFrame>
+        <p:nvGraphicFramePr>
+          <p:cNvPr id="4" name="Content Placeholder 3"/>
+          <p:cNvGraphicFramePr>
+            <a:graphicFrameLocks noGrp="1"/>
+          </p:cNvGraphicFramePr>
+          <p:nvPr>
+            <p:ph idx="1"/>
+            <p:extLst>
+              <p:ext uri="{D42A27DB-BD31-4B8C-83A1-F6EECF244321}">
+                <p14:modId xmlns:p14="http://schemas.microsoft.com/office/powerpoint/2010/main" val="2284074171"/>
+              </p:ext>
+            </p:extLst>
+          </p:nvPr>
+        </p:nvGraphicFramePr>
+        <p:xfrm>
+          <a:off x="457200" y="1600200"/>
+          <a:ext cx="8229600" cy="2225040"/>
+        </p:xfrm>
+        <a:graphic>
+          <a:graphicData uri="http://schemas.openxmlformats.org/drawingml/2006/table">
+            <a:tbl>
+              <a:tblPr firstRow="1" bandRow="1">
+                <a:tableStyleId>{5C22544A-7EE6-4342-B048-85BDC9FD1C3A}</a:tableStyleId>
+              </a:tblPr>
+              <a:tblGrid>
+                <a:gridCol w="2743200"/>
+                <a:gridCol w="2743200"/>
+                <a:gridCol w="2743200"/>
+              </a:tblGrid>
+              <a:tr h="370840">
+                <a:tc>
+                  <a:txBody>
+                    <a:bodyPr/>
+                    <a:lstStyle/>
+                    <a:p>
+                      <a:r>
+                        <a:rPr lang="en-US" sz="1600" dirty="0">
+                          <a:solidFill>
+                            <a:schemeClr val="tx1"/>
+                          </a:solidFill>
+                          <a:effectLst/>
+                          <a:latin typeface="Digital Strip"/>
+                          <a:cs typeface="Digital Strip"/>
+                        </a:rPr>
+                        <a:t>Run # </a:t>
+                      </a:r>
+                      <a:endParaRPr lang="en-US" sz="4400" dirty="0">
+                        <a:solidFill>
+                          <a:schemeClr val="tx1"/>
+                        </a:solidFill>
+                        <a:effectLst/>
+                        <a:latin typeface="Digital Strip"/>
+                        <a:cs typeface="Digital Strip"/>
+                      </a:endParaRPr>
+                    </a:p>
+                  </a:txBody>
+                  <a:tcPr anchor="ctr">
+                    <a:noFill/>
+                  </a:tcPr>
+                </a:tc>
+                <a:tc>
+                  <a:txBody>
+                    <a:bodyPr/>
+                    <a:lstStyle/>
+                    <a:p>
+                      <a:r>
+                        <a:rPr lang="en-US" sz="1600">
+                          <a:solidFill>
+                            <a:schemeClr val="tx1"/>
+                          </a:solidFill>
+                          <a:effectLst/>
+                          <a:latin typeface="Digital Strip"/>
+                          <a:cs typeface="Digital Strip"/>
+                        </a:rPr>
+                        <a:t>Label 1 F1 Score </a:t>
+                      </a:r>
+                      <a:endParaRPr lang="en-US" sz="4400">
+                        <a:solidFill>
+                          <a:schemeClr val="tx1"/>
+                        </a:solidFill>
+                        <a:effectLst/>
+                        <a:latin typeface="Digital Strip"/>
+                        <a:cs typeface="Digital Strip"/>
+                      </a:endParaRPr>
+                    </a:p>
+                  </a:txBody>
+                  <a:tcPr anchor="ctr">
+                    <a:noFill/>
+                  </a:tcPr>
+                </a:tc>
+                <a:tc>
+                  <a:txBody>
+                    <a:bodyPr/>
+                    <a:lstStyle/>
+                    <a:p>
+                      <a:r>
+                        <a:rPr lang="en-US" sz="1600">
+                          <a:solidFill>
+                            <a:schemeClr val="tx1"/>
+                          </a:solidFill>
+                          <a:effectLst/>
+                          <a:latin typeface="Digital Strip"/>
+                          <a:cs typeface="Digital Strip"/>
+                        </a:rPr>
+                        <a:t>Label 2 F1 Score </a:t>
+                      </a:r>
+                      <a:endParaRPr lang="en-US" sz="4400">
+                        <a:solidFill>
+                          <a:schemeClr val="tx1"/>
+                        </a:solidFill>
+                        <a:effectLst/>
+                        <a:latin typeface="Digital Strip"/>
+                        <a:cs typeface="Digital Strip"/>
+                      </a:endParaRPr>
+                    </a:p>
+                  </a:txBody>
+                  <a:tcPr anchor="ctr">
+                    <a:noFill/>
+                  </a:tcPr>
+                </a:tc>
+              </a:tr>
+              <a:tr h="370840">
+                <a:tc>
+                  <a:txBody>
+                    <a:bodyPr/>
+                    <a:lstStyle/>
+                    <a:p>
+                      <a:r>
+                        <a:rPr lang="en-US" sz="1600" dirty="0">
+                          <a:solidFill>
+                            <a:schemeClr val="tx1"/>
+                          </a:solidFill>
+                          <a:effectLst/>
+                          <a:latin typeface="Digital Strip"/>
+                          <a:cs typeface="Digital Strip"/>
+                        </a:rPr>
+                        <a:t>1 </a:t>
+                      </a:r>
+                      <a:endParaRPr lang="en-US" sz="4400" dirty="0">
+                        <a:solidFill>
+                          <a:schemeClr val="tx1"/>
+                        </a:solidFill>
+                        <a:effectLst/>
+                        <a:latin typeface="Digital Strip"/>
+                        <a:cs typeface="Digital Strip"/>
+                      </a:endParaRPr>
+                    </a:p>
+                  </a:txBody>
+                  <a:tcPr anchor="ctr">
+                    <a:noFill/>
+                  </a:tcPr>
+                </a:tc>
+                <a:tc>
+                  <a:txBody>
+                    <a:bodyPr/>
+                    <a:lstStyle/>
+                    <a:p>
+                      <a:r>
+                        <a:rPr lang="en-US" sz="1600">
+                          <a:solidFill>
+                            <a:schemeClr val="tx1"/>
+                          </a:solidFill>
+                          <a:effectLst/>
+                          <a:latin typeface="Digital Strip"/>
+                          <a:cs typeface="Digital Strip"/>
+                        </a:rPr>
+                        <a:t>0.7352 </a:t>
+                      </a:r>
+                      <a:endParaRPr lang="en-US" sz="4400">
+                        <a:solidFill>
+                          <a:schemeClr val="tx1"/>
+                        </a:solidFill>
+                        <a:effectLst/>
+                        <a:latin typeface="Digital Strip"/>
+                        <a:cs typeface="Digital Strip"/>
+                      </a:endParaRPr>
+                    </a:p>
+                  </a:txBody>
+                  <a:tcPr anchor="ctr">
+                    <a:noFill/>
+                  </a:tcPr>
+                </a:tc>
+                <a:tc>
+                  <a:txBody>
+                    <a:bodyPr/>
+                    <a:lstStyle/>
+                    <a:p>
+                      <a:r>
+                        <a:rPr lang="en-US" sz="1600">
+                          <a:solidFill>
+                            <a:schemeClr val="tx1"/>
+                          </a:solidFill>
+                          <a:effectLst/>
+                          <a:latin typeface="Digital Strip"/>
+                          <a:cs typeface="Digital Strip"/>
+                        </a:rPr>
+                        <a:t>0.7636 </a:t>
+                      </a:r>
+                      <a:endParaRPr lang="en-US" sz="4400">
+                        <a:solidFill>
+                          <a:schemeClr val="tx1"/>
+                        </a:solidFill>
+                        <a:effectLst/>
+                        <a:latin typeface="Digital Strip"/>
+                        <a:cs typeface="Digital Strip"/>
+                      </a:endParaRPr>
+                    </a:p>
+                  </a:txBody>
+                  <a:tcPr anchor="ctr">
+                    <a:noFill/>
+                  </a:tcPr>
+                </a:tc>
+              </a:tr>
+              <a:tr h="370840">
+                <a:tc>
+                  <a:txBody>
+                    <a:bodyPr/>
+                    <a:lstStyle/>
+                    <a:p>
+                      <a:r>
+                        <a:rPr lang="en-US" sz="1600">
+                          <a:solidFill>
+                            <a:schemeClr val="tx1"/>
+                          </a:solidFill>
+                          <a:effectLst/>
+                          <a:latin typeface="Digital Strip"/>
+                          <a:cs typeface="Digital Strip"/>
+                        </a:rPr>
+                        <a:t>2 </a:t>
+                      </a:r>
+                      <a:endParaRPr lang="en-US" sz="4400">
+                        <a:solidFill>
+                          <a:schemeClr val="tx1"/>
+                        </a:solidFill>
+                        <a:effectLst/>
+                        <a:latin typeface="Digital Strip"/>
+                        <a:cs typeface="Digital Strip"/>
+                      </a:endParaRPr>
+                    </a:p>
+                  </a:txBody>
+                  <a:tcPr anchor="ctr">
+                    <a:noFill/>
+                  </a:tcPr>
+                </a:tc>
+                <a:tc>
+                  <a:txBody>
+                    <a:bodyPr/>
+                    <a:lstStyle/>
+                    <a:p>
+                      <a:r>
+                        <a:rPr lang="en-US" sz="1600">
+                          <a:solidFill>
+                            <a:schemeClr val="tx1"/>
+                          </a:solidFill>
+                          <a:effectLst/>
+                          <a:latin typeface="Digital Strip"/>
+                          <a:cs typeface="Digital Strip"/>
+                        </a:rPr>
+                        <a:t>0.8377 </a:t>
+                      </a:r>
+                      <a:endParaRPr lang="en-US" sz="4400">
+                        <a:solidFill>
+                          <a:schemeClr val="tx1"/>
+                        </a:solidFill>
+                        <a:effectLst/>
+                        <a:latin typeface="Digital Strip"/>
+                        <a:cs typeface="Digital Strip"/>
+                      </a:endParaRPr>
+                    </a:p>
+                  </a:txBody>
+                  <a:tcPr anchor="ctr">
+                    <a:noFill/>
+                  </a:tcPr>
+                </a:tc>
+                <a:tc>
+                  <a:txBody>
+                    <a:bodyPr/>
+                    <a:lstStyle/>
+                    <a:p>
+                      <a:r>
+                        <a:rPr lang="en-US" sz="1600">
+                          <a:solidFill>
+                            <a:schemeClr val="tx1"/>
+                          </a:solidFill>
+                          <a:effectLst/>
+                          <a:latin typeface="Digital Strip"/>
+                          <a:cs typeface="Digital Strip"/>
+                        </a:rPr>
+                        <a:t>0.7621 </a:t>
+                      </a:r>
+                      <a:endParaRPr lang="en-US" sz="4400">
+                        <a:solidFill>
+                          <a:schemeClr val="tx1"/>
+                        </a:solidFill>
+                        <a:effectLst/>
+                        <a:latin typeface="Digital Strip"/>
+                        <a:cs typeface="Digital Strip"/>
+                      </a:endParaRPr>
+                    </a:p>
+                  </a:txBody>
+                  <a:tcPr anchor="ctr">
+                    <a:noFill/>
+                  </a:tcPr>
+                </a:tc>
+              </a:tr>
+              <a:tr h="370840">
+                <a:tc>
+                  <a:txBody>
+                    <a:bodyPr/>
+                    <a:lstStyle/>
+                    <a:p>
+                      <a:r>
+                        <a:rPr lang="en-US" sz="1600">
+                          <a:solidFill>
+                            <a:schemeClr val="tx1"/>
+                          </a:solidFill>
+                          <a:effectLst/>
+                          <a:latin typeface="Digital Strip"/>
+                          <a:cs typeface="Digital Strip"/>
+                        </a:rPr>
+                        <a:t>3 </a:t>
+                      </a:r>
+                      <a:endParaRPr lang="en-US" sz="4400">
+                        <a:solidFill>
+                          <a:schemeClr val="tx1"/>
+                        </a:solidFill>
+                        <a:effectLst/>
+                        <a:latin typeface="Digital Strip"/>
+                        <a:cs typeface="Digital Strip"/>
+                      </a:endParaRPr>
+                    </a:p>
+                  </a:txBody>
+                  <a:tcPr anchor="ctr">
+                    <a:noFill/>
+                  </a:tcPr>
+                </a:tc>
+                <a:tc>
+                  <a:txBody>
+                    <a:bodyPr/>
+                    <a:lstStyle/>
+                    <a:p>
+                      <a:r>
+                        <a:rPr lang="en-US" sz="1600" dirty="0">
+                          <a:solidFill>
+                            <a:schemeClr val="tx1"/>
+                          </a:solidFill>
+                          <a:effectLst/>
+                          <a:latin typeface="Digital Strip"/>
+                          <a:cs typeface="Digital Strip"/>
+                        </a:rPr>
+                        <a:t>0.7198 </a:t>
+                      </a:r>
+                      <a:endParaRPr lang="en-US" sz="4400" dirty="0">
+                        <a:solidFill>
+                          <a:schemeClr val="tx1"/>
+                        </a:solidFill>
+                        <a:effectLst/>
+                        <a:latin typeface="Digital Strip"/>
+                        <a:cs typeface="Digital Strip"/>
+                      </a:endParaRPr>
+                    </a:p>
+                  </a:txBody>
+                  <a:tcPr anchor="ctr">
+                    <a:noFill/>
+                  </a:tcPr>
+                </a:tc>
+                <a:tc>
+                  <a:txBody>
+                    <a:bodyPr/>
+                    <a:lstStyle/>
+                    <a:p>
+                      <a:r>
+                        <a:rPr lang="en-US" sz="1600">
+                          <a:solidFill>
+                            <a:schemeClr val="tx1"/>
+                          </a:solidFill>
+                          <a:effectLst/>
+                          <a:latin typeface="Digital Strip"/>
+                          <a:cs typeface="Digital Strip"/>
+                        </a:rPr>
+                        <a:t>0.7710 </a:t>
+                      </a:r>
+                      <a:endParaRPr lang="en-US" sz="4400">
+                        <a:solidFill>
+                          <a:schemeClr val="tx1"/>
+                        </a:solidFill>
+                        <a:effectLst/>
+                        <a:latin typeface="Digital Strip"/>
+                        <a:cs typeface="Digital Strip"/>
+                      </a:endParaRPr>
+                    </a:p>
+                  </a:txBody>
+                  <a:tcPr anchor="ctr">
+                    <a:noFill/>
+                  </a:tcPr>
+                </a:tc>
+              </a:tr>
+              <a:tr h="370840">
+                <a:tc>
+                  <a:txBody>
+                    <a:bodyPr/>
+                    <a:lstStyle/>
+                    <a:p>
+                      <a:r>
+                        <a:rPr lang="en-US" sz="1600">
+                          <a:solidFill>
+                            <a:schemeClr val="tx1"/>
+                          </a:solidFill>
+                          <a:effectLst/>
+                          <a:latin typeface="Digital Strip"/>
+                          <a:cs typeface="Digital Strip"/>
+                        </a:rPr>
+                        <a:t>4 </a:t>
+                      </a:r>
+                      <a:endParaRPr lang="en-US" sz="4400">
+                        <a:solidFill>
+                          <a:schemeClr val="tx1"/>
+                        </a:solidFill>
+                        <a:effectLst/>
+                        <a:latin typeface="Digital Strip"/>
+                        <a:cs typeface="Digital Strip"/>
+                      </a:endParaRPr>
+                    </a:p>
+                  </a:txBody>
+                  <a:tcPr anchor="ctr">
+                    <a:noFill/>
+                  </a:tcPr>
+                </a:tc>
+                <a:tc>
+                  <a:txBody>
+                    <a:bodyPr/>
+                    <a:lstStyle/>
+                    <a:p>
+                      <a:r>
+                        <a:rPr lang="en-US" sz="1600">
+                          <a:solidFill>
+                            <a:schemeClr val="tx1"/>
+                          </a:solidFill>
+                          <a:effectLst/>
+                          <a:latin typeface="Digital Strip"/>
+                          <a:cs typeface="Digital Strip"/>
+                        </a:rPr>
+                        <a:t>0.7097 </a:t>
+                      </a:r>
+                      <a:endParaRPr lang="en-US" sz="4400">
+                        <a:solidFill>
+                          <a:schemeClr val="tx1"/>
+                        </a:solidFill>
+                        <a:effectLst/>
+                        <a:latin typeface="Digital Strip"/>
+                        <a:cs typeface="Digital Strip"/>
+                      </a:endParaRPr>
+                    </a:p>
+                  </a:txBody>
+                  <a:tcPr anchor="ctr">
+                    <a:noFill/>
+                  </a:tcPr>
+                </a:tc>
+                <a:tc>
+                  <a:txBody>
+                    <a:bodyPr/>
+                    <a:lstStyle/>
+                    <a:p>
+                      <a:r>
+                        <a:rPr lang="en-US" sz="1600">
+                          <a:solidFill>
+                            <a:schemeClr val="tx1"/>
+                          </a:solidFill>
+                          <a:effectLst/>
+                          <a:latin typeface="Digital Strip"/>
+                          <a:cs typeface="Digital Strip"/>
+                        </a:rPr>
+                        <a:t>0.7528 </a:t>
+                      </a:r>
+                      <a:endParaRPr lang="en-US" sz="4400">
+                        <a:solidFill>
+                          <a:schemeClr val="tx1"/>
+                        </a:solidFill>
+                        <a:effectLst/>
+                        <a:latin typeface="Digital Strip"/>
+                        <a:cs typeface="Digital Strip"/>
+                      </a:endParaRPr>
+                    </a:p>
+                  </a:txBody>
+                  <a:tcPr anchor="ctr">
+                    <a:noFill/>
+                  </a:tcPr>
+                </a:tc>
+              </a:tr>
+              <a:tr h="370840">
+                <a:tc>
+                  <a:txBody>
+                    <a:bodyPr/>
+                    <a:lstStyle/>
+                    <a:p>
+                      <a:r>
+                        <a:rPr lang="en-US" sz="1600">
+                          <a:solidFill>
+                            <a:schemeClr val="tx1"/>
+                          </a:solidFill>
+                          <a:effectLst/>
+                          <a:latin typeface="Digital Strip"/>
+                          <a:cs typeface="Digital Strip"/>
+                        </a:rPr>
+                        <a:t>5 </a:t>
+                      </a:r>
+                      <a:endParaRPr lang="en-US" sz="4400">
+                        <a:solidFill>
+                          <a:schemeClr val="tx1"/>
+                        </a:solidFill>
+                        <a:effectLst/>
+                        <a:latin typeface="Digital Strip"/>
+                        <a:cs typeface="Digital Strip"/>
+                      </a:endParaRPr>
+                    </a:p>
+                  </a:txBody>
+                  <a:tcPr anchor="ctr">
+                    <a:noFill/>
+                  </a:tcPr>
+                </a:tc>
+                <a:tc>
+                  <a:txBody>
+                    <a:bodyPr/>
+                    <a:lstStyle/>
+                    <a:p>
+                      <a:r>
+                        <a:rPr lang="en-US" sz="1600">
+                          <a:solidFill>
+                            <a:schemeClr val="tx1"/>
+                          </a:solidFill>
+                          <a:effectLst/>
+                          <a:latin typeface="Digital Strip"/>
+                          <a:cs typeface="Digital Strip"/>
+                        </a:rPr>
+                        <a:t>0.6427 </a:t>
+                      </a:r>
+                      <a:endParaRPr lang="en-US" sz="4400">
+                        <a:solidFill>
+                          <a:schemeClr val="tx1"/>
+                        </a:solidFill>
+                        <a:effectLst/>
+                        <a:latin typeface="Digital Strip"/>
+                        <a:cs typeface="Digital Strip"/>
+                      </a:endParaRPr>
+                    </a:p>
+                  </a:txBody>
+                  <a:tcPr anchor="ctr">
+                    <a:noFill/>
+                  </a:tcPr>
+                </a:tc>
+                <a:tc>
+                  <a:txBody>
+                    <a:bodyPr/>
+                    <a:lstStyle/>
+                    <a:p>
+                      <a:r>
+                        <a:rPr lang="en-US" sz="1600" dirty="0">
+                          <a:solidFill>
+                            <a:schemeClr val="tx1"/>
+                          </a:solidFill>
+                          <a:effectLst/>
+                          <a:latin typeface="Digital Strip"/>
+                          <a:cs typeface="Digital Strip"/>
+                        </a:rPr>
+                        <a:t>0.6026 </a:t>
+                      </a:r>
+                      <a:endParaRPr lang="en-US" sz="4400" dirty="0">
+                        <a:solidFill>
+                          <a:schemeClr val="tx1"/>
+                        </a:solidFill>
+                        <a:effectLst/>
+                        <a:latin typeface="Digital Strip"/>
+                        <a:cs typeface="Digital Strip"/>
+                      </a:endParaRPr>
+                    </a:p>
+                  </a:txBody>
+                  <a:tcPr anchor="ctr">
+                    <a:noFill/>
+                  </a:tcPr>
+                </a:tc>
+              </a:tr>
+            </a:tbl>
+          </a:graphicData>
+        </a:graphic>
+      </p:graphicFrame>
+      <p:sp>
+        <p:nvSpPr>
+          <p:cNvPr id="5" name="Oval 4"/>
+          <p:cNvSpPr/>
+          <p:nvPr/>
+        </p:nvSpPr>
+        <p:spPr>
+          <a:xfrm>
+            <a:off x="3175000" y="2338918"/>
+            <a:ext cx="1058333" cy="740831"/>
+          </a:xfrm>
+          <a:prstGeom prst="ellipse">
+            <a:avLst/>
+          </a:prstGeom>
+          <a:noFill/>
+          <a:ln w="28575" cmpd="sng"/>
+          <a:effectLst/>
+        </p:spPr>
+        <p:style>
+          <a:lnRef idx="1">
+            <a:schemeClr val="accent1"/>
+          </a:lnRef>
+          <a:fillRef idx="3">
+            <a:schemeClr val="accent1"/>
+          </a:fillRef>
+          <a:effectRef idx="2">
+            <a:schemeClr val="accent1"/>
+          </a:effectRef>
+          <a:fontRef idx="minor">
+            <a:schemeClr val="lt1"/>
+          </a:fontRef>
+        </p:style>
+        <p:txBody>
+          <a:bodyPr rtlCol="0" anchor="ctr"/>
+          <a:lstStyle/>
+          <a:p>
+            <a:pPr algn="ctr"/>
+            <a:endParaRPr lang="en-GB"/>
+          </a:p>
+        </p:txBody>
+      </p:sp>
+      <p:sp>
+        <p:nvSpPr>
+          <p:cNvPr id="6" name="TextBox 5"/>
+          <p:cNvSpPr txBox="1"/>
+          <p:nvPr/>
+        </p:nvSpPr>
+        <p:spPr>
+          <a:xfrm>
+            <a:off x="579966" y="4529667"/>
+            <a:ext cx="8106834" cy="1384995"/>
+          </a:xfrm>
+          <a:prstGeom prst="rect">
+            <a:avLst/>
+          </a:prstGeom>
+          <a:noFill/>
+        </p:spPr>
+        <p:txBody>
+          <a:bodyPr wrap="square" rtlCol="0">
+            <a:spAutoFit/>
+          </a:bodyPr>
+          <a:lstStyle/>
+          <a:p>
+            <a:r>
+              <a:rPr lang="en-GB" sz="2800" dirty="0" smtClean="0">
+                <a:solidFill>
+                  <a:schemeClr val="accent1"/>
+                </a:solidFill>
+                <a:latin typeface="Avenir Book"/>
+                <a:cs typeface="Avenir Book"/>
+              </a:rPr>
+              <a:t>The worker PGM didn’t benefit from the additional data for label 1, but there was a minor improvement for label 2.</a:t>
+            </a:r>
+            <a:endParaRPr lang="en-GB" sz="2800" dirty="0">
+              <a:solidFill>
+                <a:schemeClr val="accent1"/>
+              </a:solidFill>
+              <a:latin typeface="Avenir Book"/>
+              <a:cs typeface="Avenir Book"/>
+            </a:endParaRPr>
+          </a:p>
+        </p:txBody>
+      </p:sp>
+      <p:sp>
+        <p:nvSpPr>
+          <p:cNvPr id="7" name="Oval 6"/>
+          <p:cNvSpPr/>
+          <p:nvPr/>
+        </p:nvSpPr>
+        <p:spPr>
+          <a:xfrm>
+            <a:off x="5884332" y="2338917"/>
+            <a:ext cx="1058333" cy="740831"/>
+          </a:xfrm>
+          <a:prstGeom prst="ellipse">
+            <a:avLst/>
+          </a:prstGeom>
+          <a:noFill/>
+          <a:ln w="28575" cmpd="sng"/>
+          <a:effectLst/>
+        </p:spPr>
+        <p:style>
+          <a:lnRef idx="1">
+            <a:schemeClr val="accent1"/>
+          </a:lnRef>
+          <a:fillRef idx="3">
+            <a:schemeClr val="accent1"/>
+          </a:fillRef>
+          <a:effectRef idx="2">
+            <a:schemeClr val="accent1"/>
+          </a:effectRef>
+          <a:fontRef idx="minor">
+            <a:schemeClr val="lt1"/>
+          </a:fontRef>
+        </p:style>
+        <p:txBody>
+          <a:bodyPr rtlCol="0" anchor="ctr"/>
+          <a:lstStyle/>
+          <a:p>
+            <a:pPr algn="ctr"/>
+            <a:endParaRPr lang="en-GB"/>
+          </a:p>
+        </p:txBody>
+      </p:sp>
+    </p:spTree>
+    <p:extLst>
+      <p:ext uri="{BB962C8B-B14F-4D97-AF65-F5344CB8AC3E}">
+        <p14:creationId xmlns:p14="http://schemas.microsoft.com/office/powerpoint/2010/main" val="568294963"/>
+      </p:ext>
+    </p:extLst>
+  </p:cSld>
+  <p:clrMapOvr>
+    <a:masterClrMapping/>
+  </p:clrMapOvr>
+</p:sld>
+</file>
+
+<file path=ppt/slides/slide15.xml><?xml version="1.0" encoding="utf-8"?>
+<p:sld xmlns:a="http://schemas.openxmlformats.org/drawingml/2006/main" xmlns:r="http://schemas.openxmlformats.org/officeDocument/2006/relationships" xmlns:p="http://schemas.openxmlformats.org/presentationml/2006/main">
+  <p:cSld>
+    <p:spTree>
+      <p:nvGrpSpPr>
+        <p:cNvPr id="1" name=""/>
+        <p:cNvGrpSpPr/>
+        <p:nvPr/>
+      </p:nvGrpSpPr>
+      <p:grpSpPr>
+        <a:xfrm>
+          <a:off x="0" y="0"/>
+          <a:ext cx="0" cy="0"/>
+          <a:chOff x="0" y="0"/>
+          <a:chExt cx="0" cy="0"/>
+        </a:xfrm>
+      </p:grpSpPr>
+      <p:sp>
+        <p:nvSpPr>
+          <p:cNvPr id="2" name="Title 1"/>
+          <p:cNvSpPr>
+            <a:spLocks noGrp="1"/>
+          </p:cNvSpPr>
+          <p:nvPr>
+            <p:ph type="title"/>
+          </p:nvPr>
+        </p:nvSpPr>
+        <p:spPr/>
+        <p:txBody>
+          <a:bodyPr>
+            <a:normAutofit/>
+          </a:bodyPr>
+          <a:lstStyle/>
+          <a:p>
+            <a:r>
+              <a:rPr lang="en-GB" sz="3600" dirty="0" smtClean="0"/>
+              <a:t>Results and observations</a:t>
+            </a:r>
+            <a:endParaRPr lang="en-GB" sz="3600" dirty="0"/>
+          </a:p>
+        </p:txBody>
+      </p:sp>
+      <p:graphicFrame>
+        <p:nvGraphicFramePr>
+          <p:cNvPr id="4" name="Content Placeholder 3"/>
+          <p:cNvGraphicFramePr>
+            <a:graphicFrameLocks noGrp="1"/>
+          </p:cNvGraphicFramePr>
+          <p:nvPr>
+            <p:ph idx="1"/>
+            <p:extLst>
+              <p:ext uri="{D42A27DB-BD31-4B8C-83A1-F6EECF244321}">
+                <p14:modId xmlns:p14="http://schemas.microsoft.com/office/powerpoint/2010/main" val="11626283"/>
+              </p:ext>
+            </p:extLst>
+          </p:nvPr>
+        </p:nvGraphicFramePr>
+        <p:xfrm>
+          <a:off x="457200" y="1600200"/>
+          <a:ext cx="8229600" cy="2225040"/>
+        </p:xfrm>
+        <a:graphic>
+          <a:graphicData uri="http://schemas.openxmlformats.org/drawingml/2006/table">
+            <a:tbl>
+              <a:tblPr firstRow="1" bandRow="1">
+                <a:tableStyleId>{5C22544A-7EE6-4342-B048-85BDC9FD1C3A}</a:tableStyleId>
+              </a:tblPr>
+              <a:tblGrid>
+                <a:gridCol w="2743200"/>
+                <a:gridCol w="2743200"/>
+                <a:gridCol w="2743200"/>
+              </a:tblGrid>
+              <a:tr h="370840">
+                <a:tc>
+                  <a:txBody>
+                    <a:bodyPr/>
+                    <a:lstStyle/>
+                    <a:p>
+                      <a:r>
+                        <a:rPr lang="en-US" sz="1600" dirty="0">
+                          <a:solidFill>
+                            <a:schemeClr val="tx1"/>
+                          </a:solidFill>
+                          <a:effectLst/>
+                          <a:latin typeface="Digital Strip"/>
+                          <a:cs typeface="Digital Strip"/>
+                        </a:rPr>
+                        <a:t>Run # </a:t>
+                      </a:r>
+                      <a:endParaRPr lang="en-US" sz="4400" dirty="0">
+                        <a:solidFill>
+                          <a:schemeClr val="tx1"/>
+                        </a:solidFill>
+                        <a:effectLst/>
+                        <a:latin typeface="Digital Strip"/>
+                        <a:cs typeface="Digital Strip"/>
+                      </a:endParaRPr>
+                    </a:p>
+                  </a:txBody>
+                  <a:tcPr anchor="ctr">
+                    <a:noFill/>
+                  </a:tcPr>
+                </a:tc>
+                <a:tc>
+                  <a:txBody>
+                    <a:bodyPr/>
+                    <a:lstStyle/>
+                    <a:p>
+                      <a:r>
+                        <a:rPr lang="en-US" sz="1600">
+                          <a:solidFill>
+                            <a:schemeClr val="tx1"/>
+                          </a:solidFill>
+                          <a:effectLst/>
+                          <a:latin typeface="Digital Strip"/>
+                          <a:cs typeface="Digital Strip"/>
+                        </a:rPr>
+                        <a:t>Label 1 F1 Score </a:t>
+                      </a:r>
+                      <a:endParaRPr lang="en-US" sz="4400">
+                        <a:solidFill>
+                          <a:schemeClr val="tx1"/>
+                        </a:solidFill>
+                        <a:effectLst/>
+                        <a:latin typeface="Digital Strip"/>
+                        <a:cs typeface="Digital Strip"/>
+                      </a:endParaRPr>
+                    </a:p>
+                  </a:txBody>
+                  <a:tcPr anchor="ctr">
+                    <a:noFill/>
+                  </a:tcPr>
+                </a:tc>
+                <a:tc>
+                  <a:txBody>
+                    <a:bodyPr/>
+                    <a:lstStyle/>
+                    <a:p>
+                      <a:r>
+                        <a:rPr lang="en-US" sz="1600">
+                          <a:solidFill>
+                            <a:schemeClr val="tx1"/>
+                          </a:solidFill>
+                          <a:effectLst/>
+                          <a:latin typeface="Digital Strip"/>
+                          <a:cs typeface="Digital Strip"/>
+                        </a:rPr>
+                        <a:t>Label 2 F1 Score </a:t>
+                      </a:r>
+                      <a:endParaRPr lang="en-US" sz="4400">
+                        <a:solidFill>
+                          <a:schemeClr val="tx1"/>
+                        </a:solidFill>
+                        <a:effectLst/>
+                        <a:latin typeface="Digital Strip"/>
+                        <a:cs typeface="Digital Strip"/>
+                      </a:endParaRPr>
+                    </a:p>
+                  </a:txBody>
+                  <a:tcPr anchor="ctr">
+                    <a:noFill/>
+                  </a:tcPr>
+                </a:tc>
+              </a:tr>
+              <a:tr h="370840">
+                <a:tc>
+                  <a:txBody>
+                    <a:bodyPr/>
+                    <a:lstStyle/>
+                    <a:p>
+                      <a:r>
+                        <a:rPr lang="en-US" sz="1600" dirty="0">
+                          <a:solidFill>
+                            <a:schemeClr val="tx1"/>
+                          </a:solidFill>
+                          <a:effectLst/>
+                          <a:latin typeface="Digital Strip"/>
+                          <a:cs typeface="Digital Strip"/>
+                        </a:rPr>
+                        <a:t>1 </a:t>
+                      </a:r>
+                      <a:endParaRPr lang="en-US" sz="4400" dirty="0">
+                        <a:solidFill>
+                          <a:schemeClr val="tx1"/>
+                        </a:solidFill>
+                        <a:effectLst/>
+                        <a:latin typeface="Digital Strip"/>
+                        <a:cs typeface="Digital Strip"/>
+                      </a:endParaRPr>
+                    </a:p>
+                  </a:txBody>
+                  <a:tcPr anchor="ctr">
+                    <a:noFill/>
+                  </a:tcPr>
+                </a:tc>
+                <a:tc>
+                  <a:txBody>
+                    <a:bodyPr/>
+                    <a:lstStyle/>
+                    <a:p>
+                      <a:r>
+                        <a:rPr lang="en-US" sz="1600">
+                          <a:solidFill>
+                            <a:schemeClr val="tx1"/>
+                          </a:solidFill>
+                          <a:effectLst/>
+                          <a:latin typeface="Digital Strip"/>
+                          <a:cs typeface="Digital Strip"/>
+                        </a:rPr>
+                        <a:t>0.7352 </a:t>
+                      </a:r>
+                      <a:endParaRPr lang="en-US" sz="4400">
+                        <a:solidFill>
+                          <a:schemeClr val="tx1"/>
+                        </a:solidFill>
+                        <a:effectLst/>
+                        <a:latin typeface="Digital Strip"/>
+                        <a:cs typeface="Digital Strip"/>
+                      </a:endParaRPr>
+                    </a:p>
+                  </a:txBody>
+                  <a:tcPr anchor="ctr">
+                    <a:noFill/>
+                  </a:tcPr>
+                </a:tc>
+                <a:tc>
+                  <a:txBody>
+                    <a:bodyPr/>
+                    <a:lstStyle/>
+                    <a:p>
+                      <a:r>
+                        <a:rPr lang="en-US" sz="1600">
+                          <a:solidFill>
+                            <a:schemeClr val="tx1"/>
+                          </a:solidFill>
+                          <a:effectLst/>
+                          <a:latin typeface="Digital Strip"/>
+                          <a:cs typeface="Digital Strip"/>
+                        </a:rPr>
+                        <a:t>0.7636 </a:t>
+                      </a:r>
+                      <a:endParaRPr lang="en-US" sz="4400">
+                        <a:solidFill>
+                          <a:schemeClr val="tx1"/>
+                        </a:solidFill>
+                        <a:effectLst/>
+                        <a:latin typeface="Digital Strip"/>
+                        <a:cs typeface="Digital Strip"/>
+                      </a:endParaRPr>
+                    </a:p>
+                  </a:txBody>
+                  <a:tcPr anchor="ctr">
+                    <a:noFill/>
+                  </a:tcPr>
+                </a:tc>
+              </a:tr>
+              <a:tr h="370840">
+                <a:tc>
+                  <a:txBody>
+                    <a:bodyPr/>
+                    <a:lstStyle/>
+                    <a:p>
+                      <a:r>
+                        <a:rPr lang="en-US" sz="1600">
+                          <a:solidFill>
+                            <a:schemeClr val="tx1"/>
+                          </a:solidFill>
+                          <a:effectLst/>
+                          <a:latin typeface="Digital Strip"/>
+                          <a:cs typeface="Digital Strip"/>
+                        </a:rPr>
+                        <a:t>2 </a:t>
+                      </a:r>
+                      <a:endParaRPr lang="en-US" sz="4400">
+                        <a:solidFill>
+                          <a:schemeClr val="tx1"/>
+                        </a:solidFill>
+                        <a:effectLst/>
+                        <a:latin typeface="Digital Strip"/>
+                        <a:cs typeface="Digital Strip"/>
+                      </a:endParaRPr>
+                    </a:p>
+                  </a:txBody>
+                  <a:tcPr anchor="ctr">
+                    <a:noFill/>
+                  </a:tcPr>
+                </a:tc>
+                <a:tc>
+                  <a:txBody>
+                    <a:bodyPr/>
+                    <a:lstStyle/>
+                    <a:p>
+                      <a:r>
+                        <a:rPr lang="en-US" sz="1600">
+                          <a:solidFill>
+                            <a:schemeClr val="tx1"/>
+                          </a:solidFill>
+                          <a:effectLst/>
+                          <a:latin typeface="Digital Strip"/>
+                          <a:cs typeface="Digital Strip"/>
+                        </a:rPr>
+                        <a:t>0.8377 </a:t>
+                      </a:r>
+                      <a:endParaRPr lang="en-US" sz="4400">
+                        <a:solidFill>
+                          <a:schemeClr val="tx1"/>
+                        </a:solidFill>
+                        <a:effectLst/>
+                        <a:latin typeface="Digital Strip"/>
+                        <a:cs typeface="Digital Strip"/>
+                      </a:endParaRPr>
+                    </a:p>
+                  </a:txBody>
+                  <a:tcPr anchor="ctr">
+                    <a:noFill/>
+                  </a:tcPr>
+                </a:tc>
+                <a:tc>
+                  <a:txBody>
+                    <a:bodyPr/>
+                    <a:lstStyle/>
+                    <a:p>
+                      <a:r>
+                        <a:rPr lang="en-US" sz="1600">
+                          <a:solidFill>
+                            <a:schemeClr val="tx1"/>
+                          </a:solidFill>
+                          <a:effectLst/>
+                          <a:latin typeface="Digital Strip"/>
+                          <a:cs typeface="Digital Strip"/>
+                        </a:rPr>
+                        <a:t>0.7621 </a:t>
+                      </a:r>
+                      <a:endParaRPr lang="en-US" sz="4400">
+                        <a:solidFill>
+                          <a:schemeClr val="tx1"/>
+                        </a:solidFill>
+                        <a:effectLst/>
+                        <a:latin typeface="Digital Strip"/>
+                        <a:cs typeface="Digital Strip"/>
+                      </a:endParaRPr>
+                    </a:p>
+                  </a:txBody>
+                  <a:tcPr anchor="ctr">
+                    <a:noFill/>
+                  </a:tcPr>
+                </a:tc>
+              </a:tr>
+              <a:tr h="370840">
+                <a:tc>
+                  <a:txBody>
+                    <a:bodyPr/>
+                    <a:lstStyle/>
+                    <a:p>
+                      <a:r>
+                        <a:rPr lang="en-US" sz="1600">
+                          <a:solidFill>
+                            <a:schemeClr val="tx1"/>
+                          </a:solidFill>
+                          <a:effectLst/>
+                          <a:latin typeface="Digital Strip"/>
+                          <a:cs typeface="Digital Strip"/>
+                        </a:rPr>
+                        <a:t>3 </a:t>
+                      </a:r>
+                      <a:endParaRPr lang="en-US" sz="4400">
+                        <a:solidFill>
+                          <a:schemeClr val="tx1"/>
+                        </a:solidFill>
+                        <a:effectLst/>
+                        <a:latin typeface="Digital Strip"/>
+                        <a:cs typeface="Digital Strip"/>
+                      </a:endParaRPr>
+                    </a:p>
+                  </a:txBody>
+                  <a:tcPr anchor="ctr">
+                    <a:noFill/>
+                  </a:tcPr>
+                </a:tc>
+                <a:tc>
+                  <a:txBody>
+                    <a:bodyPr/>
+                    <a:lstStyle/>
+                    <a:p>
+                      <a:r>
+                        <a:rPr lang="en-US" sz="1600" dirty="0">
+                          <a:solidFill>
+                            <a:schemeClr val="tx1"/>
+                          </a:solidFill>
+                          <a:effectLst/>
+                          <a:latin typeface="Digital Strip"/>
+                          <a:cs typeface="Digital Strip"/>
+                        </a:rPr>
+                        <a:t>0.7198 </a:t>
+                      </a:r>
+                      <a:endParaRPr lang="en-US" sz="4400" dirty="0">
+                        <a:solidFill>
+                          <a:schemeClr val="tx1"/>
+                        </a:solidFill>
+                        <a:effectLst/>
+                        <a:latin typeface="Digital Strip"/>
+                        <a:cs typeface="Digital Strip"/>
+                      </a:endParaRPr>
+                    </a:p>
+                  </a:txBody>
+                  <a:tcPr anchor="ctr">
+                    <a:noFill/>
+                  </a:tcPr>
+                </a:tc>
+                <a:tc>
+                  <a:txBody>
+                    <a:bodyPr/>
+                    <a:lstStyle/>
+                    <a:p>
+                      <a:r>
+                        <a:rPr lang="en-US" sz="1600">
+                          <a:solidFill>
+                            <a:schemeClr val="tx1"/>
+                          </a:solidFill>
+                          <a:effectLst/>
+                          <a:latin typeface="Digital Strip"/>
+                          <a:cs typeface="Digital Strip"/>
+                        </a:rPr>
+                        <a:t>0.7710 </a:t>
+                      </a:r>
+                      <a:endParaRPr lang="en-US" sz="4400">
+                        <a:solidFill>
+                          <a:schemeClr val="tx1"/>
+                        </a:solidFill>
+                        <a:effectLst/>
+                        <a:latin typeface="Digital Strip"/>
+                        <a:cs typeface="Digital Strip"/>
+                      </a:endParaRPr>
+                    </a:p>
+                  </a:txBody>
+                  <a:tcPr anchor="ctr">
+                    <a:noFill/>
+                  </a:tcPr>
+                </a:tc>
+              </a:tr>
+              <a:tr h="370840">
+                <a:tc>
+                  <a:txBody>
+                    <a:bodyPr/>
+                    <a:lstStyle/>
+                    <a:p>
+                      <a:r>
+                        <a:rPr lang="en-US" sz="1600">
+                          <a:solidFill>
+                            <a:schemeClr val="tx1"/>
+                          </a:solidFill>
+                          <a:effectLst/>
+                          <a:latin typeface="Digital Strip"/>
+                          <a:cs typeface="Digital Strip"/>
+                        </a:rPr>
+                        <a:t>4 </a:t>
+                      </a:r>
+                      <a:endParaRPr lang="en-US" sz="4400">
+                        <a:solidFill>
+                          <a:schemeClr val="tx1"/>
+                        </a:solidFill>
+                        <a:effectLst/>
+                        <a:latin typeface="Digital Strip"/>
+                        <a:cs typeface="Digital Strip"/>
+                      </a:endParaRPr>
+                    </a:p>
+                  </a:txBody>
+                  <a:tcPr anchor="ctr">
+                    <a:noFill/>
+                  </a:tcPr>
+                </a:tc>
+                <a:tc>
+                  <a:txBody>
+                    <a:bodyPr/>
+                    <a:lstStyle/>
+                    <a:p>
+                      <a:r>
+                        <a:rPr lang="en-US" sz="1600">
+                          <a:solidFill>
+                            <a:schemeClr val="tx1"/>
+                          </a:solidFill>
+                          <a:effectLst/>
+                          <a:latin typeface="Digital Strip"/>
+                          <a:cs typeface="Digital Strip"/>
+                        </a:rPr>
+                        <a:t>0.7097 </a:t>
+                      </a:r>
+                      <a:endParaRPr lang="en-US" sz="4400">
+                        <a:solidFill>
+                          <a:schemeClr val="tx1"/>
+                        </a:solidFill>
+                        <a:effectLst/>
+                        <a:latin typeface="Digital Strip"/>
+                        <a:cs typeface="Digital Strip"/>
+                      </a:endParaRPr>
+                    </a:p>
+                  </a:txBody>
+                  <a:tcPr anchor="ctr">
+                    <a:noFill/>
+                  </a:tcPr>
+                </a:tc>
+                <a:tc>
+                  <a:txBody>
+                    <a:bodyPr/>
+                    <a:lstStyle/>
+                    <a:p>
+                      <a:r>
+                        <a:rPr lang="en-US" sz="1600">
+                          <a:solidFill>
+                            <a:schemeClr val="tx1"/>
+                          </a:solidFill>
+                          <a:effectLst/>
+                          <a:latin typeface="Digital Strip"/>
+                          <a:cs typeface="Digital Strip"/>
+                        </a:rPr>
+                        <a:t>0.7528 </a:t>
+                      </a:r>
+                      <a:endParaRPr lang="en-US" sz="4400">
+                        <a:solidFill>
+                          <a:schemeClr val="tx1"/>
+                        </a:solidFill>
+                        <a:effectLst/>
+                        <a:latin typeface="Digital Strip"/>
+                        <a:cs typeface="Digital Strip"/>
+                      </a:endParaRPr>
+                    </a:p>
+                  </a:txBody>
+                  <a:tcPr anchor="ctr">
+                    <a:noFill/>
+                  </a:tcPr>
+                </a:tc>
+              </a:tr>
+              <a:tr h="370840">
+                <a:tc>
+                  <a:txBody>
+                    <a:bodyPr/>
+                    <a:lstStyle/>
+                    <a:p>
+                      <a:r>
+                        <a:rPr lang="en-US" sz="1600">
+                          <a:solidFill>
+                            <a:schemeClr val="tx1"/>
+                          </a:solidFill>
+                          <a:effectLst/>
+                          <a:latin typeface="Digital Strip"/>
+                          <a:cs typeface="Digital Strip"/>
+                        </a:rPr>
+                        <a:t>5 </a:t>
+                      </a:r>
+                      <a:endParaRPr lang="en-US" sz="4400">
+                        <a:solidFill>
+                          <a:schemeClr val="tx1"/>
+                        </a:solidFill>
+                        <a:effectLst/>
+                        <a:latin typeface="Digital Strip"/>
+                        <a:cs typeface="Digital Strip"/>
+                      </a:endParaRPr>
+                    </a:p>
+                  </a:txBody>
+                  <a:tcPr anchor="ctr">
+                    <a:noFill/>
+                  </a:tcPr>
+                </a:tc>
+                <a:tc>
+                  <a:txBody>
+                    <a:bodyPr/>
+                    <a:lstStyle/>
+                    <a:p>
+                      <a:r>
+                        <a:rPr lang="en-US" sz="1600">
+                          <a:solidFill>
+                            <a:schemeClr val="tx1"/>
+                          </a:solidFill>
+                          <a:effectLst/>
+                          <a:latin typeface="Digital Strip"/>
+                          <a:cs typeface="Digital Strip"/>
+                        </a:rPr>
+                        <a:t>0.6427 </a:t>
+                      </a:r>
+                      <a:endParaRPr lang="en-US" sz="4400">
+                        <a:solidFill>
+                          <a:schemeClr val="tx1"/>
+                        </a:solidFill>
+                        <a:effectLst/>
+                        <a:latin typeface="Digital Strip"/>
+                        <a:cs typeface="Digital Strip"/>
+                      </a:endParaRPr>
+                    </a:p>
+                  </a:txBody>
+                  <a:tcPr anchor="ctr">
+                    <a:noFill/>
+                  </a:tcPr>
+                </a:tc>
+                <a:tc>
+                  <a:txBody>
+                    <a:bodyPr/>
+                    <a:lstStyle/>
+                    <a:p>
+                      <a:r>
+                        <a:rPr lang="en-US" sz="1600" dirty="0">
+                          <a:solidFill>
+                            <a:schemeClr val="tx1"/>
+                          </a:solidFill>
+                          <a:effectLst/>
+                          <a:latin typeface="Digital Strip"/>
+                          <a:cs typeface="Digital Strip"/>
+                        </a:rPr>
+                        <a:t>0.6026 </a:t>
+                      </a:r>
+                      <a:endParaRPr lang="en-US" sz="4400" dirty="0">
+                        <a:solidFill>
+                          <a:schemeClr val="tx1"/>
+                        </a:solidFill>
+                        <a:effectLst/>
+                        <a:latin typeface="Digital Strip"/>
+                        <a:cs typeface="Digital Strip"/>
+                      </a:endParaRPr>
+                    </a:p>
+                  </a:txBody>
+                  <a:tcPr anchor="ctr">
+                    <a:noFill/>
+                  </a:tcPr>
+                </a:tc>
+              </a:tr>
+            </a:tbl>
+          </a:graphicData>
+        </a:graphic>
+      </p:graphicFrame>
+      <p:sp>
+        <p:nvSpPr>
+          <p:cNvPr id="5" name="Oval 4"/>
+          <p:cNvSpPr/>
+          <p:nvPr/>
+        </p:nvSpPr>
+        <p:spPr>
+          <a:xfrm>
+            <a:off x="3069166" y="3043337"/>
+            <a:ext cx="1270002" cy="813654"/>
+          </a:xfrm>
+          <a:prstGeom prst="ellipse">
+            <a:avLst/>
+          </a:prstGeom>
+          <a:noFill/>
+          <a:ln w="28575" cmpd="sng"/>
+          <a:effectLst/>
+        </p:spPr>
+        <p:style>
+          <a:lnRef idx="1">
+            <a:schemeClr val="accent1"/>
+          </a:lnRef>
+          <a:fillRef idx="3">
+            <a:schemeClr val="accent1"/>
+          </a:fillRef>
+          <a:effectRef idx="2">
+            <a:schemeClr val="accent1"/>
+          </a:effectRef>
+          <a:fontRef idx="minor">
+            <a:schemeClr val="lt1"/>
+          </a:fontRef>
+        </p:style>
+        <p:txBody>
+          <a:bodyPr rtlCol="0" anchor="ctr"/>
+          <a:lstStyle/>
+          <a:p>
+            <a:pPr algn="ctr"/>
+            <a:endParaRPr lang="en-GB"/>
+          </a:p>
+        </p:txBody>
+      </p:sp>
+      <p:sp>
+        <p:nvSpPr>
+          <p:cNvPr id="6" name="TextBox 5"/>
+          <p:cNvSpPr txBox="1"/>
+          <p:nvPr/>
+        </p:nvSpPr>
+        <p:spPr>
+          <a:xfrm>
+            <a:off x="579966" y="4529667"/>
+            <a:ext cx="8106834" cy="1384995"/>
+          </a:xfrm>
+          <a:prstGeom prst="rect">
+            <a:avLst/>
+          </a:prstGeom>
+          <a:noFill/>
+        </p:spPr>
+        <p:txBody>
+          <a:bodyPr wrap="square" rtlCol="0">
+            <a:spAutoFit/>
+          </a:bodyPr>
+          <a:lstStyle/>
+          <a:p>
+            <a:r>
+              <a:rPr lang="en-GB" sz="2800" dirty="0" smtClean="0">
+                <a:solidFill>
+                  <a:schemeClr val="accent1"/>
+                </a:solidFill>
+                <a:latin typeface="Avenir Book"/>
+                <a:cs typeface="Avenir Book"/>
+              </a:rPr>
+              <a:t>The joint modelling with text features didn’t help, but didn’t hurt to much (over run #3). Visual features didn’t work so well though.</a:t>
+            </a:r>
+            <a:endParaRPr lang="en-GB" sz="2800" dirty="0">
+              <a:solidFill>
+                <a:schemeClr val="accent1"/>
+              </a:solidFill>
+              <a:latin typeface="Avenir Book"/>
+              <a:cs typeface="Avenir Book"/>
+            </a:endParaRPr>
+          </a:p>
+        </p:txBody>
+      </p:sp>
+      <p:sp>
+        <p:nvSpPr>
+          <p:cNvPr id="7" name="Oval 6"/>
+          <p:cNvSpPr/>
+          <p:nvPr/>
+        </p:nvSpPr>
+        <p:spPr>
+          <a:xfrm>
+            <a:off x="5884332" y="3036147"/>
+            <a:ext cx="1172636" cy="820843"/>
+          </a:xfrm>
+          <a:prstGeom prst="ellipse">
+            <a:avLst/>
+          </a:prstGeom>
+          <a:noFill/>
+          <a:ln w="28575" cmpd="sng"/>
+          <a:effectLst/>
+        </p:spPr>
+        <p:style>
+          <a:lnRef idx="1">
+            <a:schemeClr val="accent1"/>
+          </a:lnRef>
+          <a:fillRef idx="3">
+            <a:schemeClr val="accent1"/>
+          </a:fillRef>
+          <a:effectRef idx="2">
+            <a:schemeClr val="accent1"/>
+          </a:effectRef>
+          <a:fontRef idx="minor">
+            <a:schemeClr val="lt1"/>
+          </a:fontRef>
+        </p:style>
+        <p:txBody>
+          <a:bodyPr rtlCol="0" anchor="ctr"/>
+          <a:lstStyle/>
+          <a:p>
+            <a:pPr algn="ctr"/>
+            <a:endParaRPr lang="en-GB"/>
+          </a:p>
+        </p:txBody>
+      </p:sp>
+    </p:spTree>
+    <p:extLst>
+      <p:ext uri="{BB962C8B-B14F-4D97-AF65-F5344CB8AC3E}">
+        <p14:creationId xmlns:p14="http://schemas.microsoft.com/office/powerpoint/2010/main" val="4030708964"/>
+      </p:ext>
+    </p:extLst>
+  </p:cSld>
+  <p:clrMapOvr>
+    <a:masterClrMapping/>
+  </p:clrMapOvr>
+</p:sld>
+</file>
+
+<file path=ppt/slides/slide16.xml><?xml version="1.0" encoding="utf-8"?>
+<p:sld xmlns:a="http://schemas.openxmlformats.org/drawingml/2006/main" xmlns:r="http://schemas.openxmlformats.org/officeDocument/2006/relationships" xmlns:p="http://schemas.openxmlformats.org/presentationml/2006/main">
+  <p:cSld>
+    <p:spTree>
+      <p:nvGrpSpPr>
+        <p:cNvPr id="1" name=""/>
+        <p:cNvGrpSpPr/>
+        <p:nvPr/>
+      </p:nvGrpSpPr>
+      <p:grpSpPr>
+        <a:xfrm>
+          <a:off x="0" y="0"/>
+          <a:ext cx="0" cy="0"/>
+          <a:chOff x="0" y="0"/>
+          <a:chExt cx="0" cy="0"/>
+        </a:xfrm>
+      </p:grpSpPr>
+      <p:sp>
+        <p:nvSpPr>
+          <p:cNvPr id="2" name="Title 1"/>
+          <p:cNvSpPr>
+            <a:spLocks noGrp="1"/>
+          </p:cNvSpPr>
+          <p:nvPr>
+            <p:ph type="title"/>
+          </p:nvPr>
+        </p:nvSpPr>
+        <p:spPr/>
+        <p:txBody>
+          <a:bodyPr>
+            <a:normAutofit/>
+          </a:bodyPr>
+          <a:lstStyle/>
+          <a:p>
+            <a:r>
+              <a:rPr lang="en-GB" sz="3600" dirty="0" smtClean="0"/>
+              <a:t>Results and observations</a:t>
+            </a:r>
+            <a:endParaRPr lang="en-GB" sz="3600" dirty="0"/>
+          </a:p>
+        </p:txBody>
+      </p:sp>
+      <p:graphicFrame>
+        <p:nvGraphicFramePr>
+          <p:cNvPr id="4" name="Content Placeholder 3"/>
+          <p:cNvGraphicFramePr>
+            <a:graphicFrameLocks noGrp="1"/>
+          </p:cNvGraphicFramePr>
+          <p:nvPr>
+            <p:ph idx="1"/>
+            <p:extLst>
+              <p:ext uri="{D42A27DB-BD31-4B8C-83A1-F6EECF244321}">
+                <p14:modId xmlns:p14="http://schemas.microsoft.com/office/powerpoint/2010/main" val="2209927169"/>
+              </p:ext>
+            </p:extLst>
+          </p:nvPr>
+        </p:nvGraphicFramePr>
+        <p:xfrm>
+          <a:off x="457200" y="1600200"/>
+          <a:ext cx="8229600" cy="2225040"/>
+        </p:xfrm>
+        <a:graphic>
+          <a:graphicData uri="http://schemas.openxmlformats.org/drawingml/2006/table">
+            <a:tbl>
+              <a:tblPr firstRow="1" bandRow="1">
+                <a:tableStyleId>{5C22544A-7EE6-4342-B048-85BDC9FD1C3A}</a:tableStyleId>
+              </a:tblPr>
+              <a:tblGrid>
+                <a:gridCol w="2743200"/>
+                <a:gridCol w="2743200"/>
+                <a:gridCol w="2743200"/>
+              </a:tblGrid>
+              <a:tr h="370840">
+                <a:tc>
+                  <a:txBody>
+                    <a:bodyPr/>
+                    <a:lstStyle/>
+                    <a:p>
+                      <a:r>
+                        <a:rPr lang="en-US" sz="1600" dirty="0">
+                          <a:solidFill>
+                            <a:schemeClr val="tx1"/>
+                          </a:solidFill>
+                          <a:effectLst/>
+                          <a:latin typeface="Digital Strip"/>
+                          <a:cs typeface="Digital Strip"/>
+                        </a:rPr>
+                        <a:t>Run # </a:t>
+                      </a:r>
+                      <a:endParaRPr lang="en-US" sz="4400" dirty="0">
+                        <a:solidFill>
+                          <a:schemeClr val="tx1"/>
+                        </a:solidFill>
+                        <a:effectLst/>
+                        <a:latin typeface="Digital Strip"/>
+                        <a:cs typeface="Digital Strip"/>
+                      </a:endParaRPr>
+                    </a:p>
+                  </a:txBody>
+                  <a:tcPr anchor="ctr">
+                    <a:noFill/>
+                  </a:tcPr>
+                </a:tc>
+                <a:tc>
+                  <a:txBody>
+                    <a:bodyPr/>
+                    <a:lstStyle/>
+                    <a:p>
+                      <a:r>
+                        <a:rPr lang="en-US" sz="1600">
+                          <a:solidFill>
+                            <a:schemeClr val="tx1"/>
+                          </a:solidFill>
+                          <a:effectLst/>
+                          <a:latin typeface="Digital Strip"/>
+                          <a:cs typeface="Digital Strip"/>
+                        </a:rPr>
+                        <a:t>Label 1 F1 Score </a:t>
+                      </a:r>
+                      <a:endParaRPr lang="en-US" sz="4400">
+                        <a:solidFill>
+                          <a:schemeClr val="tx1"/>
+                        </a:solidFill>
+                        <a:effectLst/>
+                        <a:latin typeface="Digital Strip"/>
+                        <a:cs typeface="Digital Strip"/>
+                      </a:endParaRPr>
+                    </a:p>
+                  </a:txBody>
+                  <a:tcPr anchor="ctr">
+                    <a:noFill/>
+                  </a:tcPr>
+                </a:tc>
+                <a:tc>
+                  <a:txBody>
+                    <a:bodyPr/>
+                    <a:lstStyle/>
+                    <a:p>
+                      <a:r>
+                        <a:rPr lang="en-US" sz="1600">
+                          <a:solidFill>
+                            <a:schemeClr val="tx1"/>
+                          </a:solidFill>
+                          <a:effectLst/>
+                          <a:latin typeface="Digital Strip"/>
+                          <a:cs typeface="Digital Strip"/>
+                        </a:rPr>
+                        <a:t>Label 2 F1 Score </a:t>
+                      </a:r>
+                      <a:endParaRPr lang="en-US" sz="4400">
+                        <a:solidFill>
+                          <a:schemeClr val="tx1"/>
+                        </a:solidFill>
+                        <a:effectLst/>
+                        <a:latin typeface="Digital Strip"/>
+                        <a:cs typeface="Digital Strip"/>
+                      </a:endParaRPr>
+                    </a:p>
+                  </a:txBody>
+                  <a:tcPr anchor="ctr">
+                    <a:noFill/>
+                  </a:tcPr>
+                </a:tc>
+              </a:tr>
+              <a:tr h="370840">
+                <a:tc>
+                  <a:txBody>
+                    <a:bodyPr/>
+                    <a:lstStyle/>
+                    <a:p>
+                      <a:r>
+                        <a:rPr lang="en-US" sz="1600" dirty="0">
+                          <a:solidFill>
+                            <a:schemeClr val="tx1"/>
+                          </a:solidFill>
+                          <a:effectLst/>
+                          <a:latin typeface="Digital Strip"/>
+                          <a:cs typeface="Digital Strip"/>
+                        </a:rPr>
+                        <a:t>1 </a:t>
+                      </a:r>
+                      <a:endParaRPr lang="en-US" sz="4400" dirty="0">
+                        <a:solidFill>
+                          <a:schemeClr val="tx1"/>
+                        </a:solidFill>
+                        <a:effectLst/>
+                        <a:latin typeface="Digital Strip"/>
+                        <a:cs typeface="Digital Strip"/>
+                      </a:endParaRPr>
+                    </a:p>
+                  </a:txBody>
+                  <a:tcPr anchor="ctr">
+                    <a:noFill/>
+                  </a:tcPr>
+                </a:tc>
+                <a:tc>
+                  <a:txBody>
+                    <a:bodyPr/>
+                    <a:lstStyle/>
+                    <a:p>
+                      <a:r>
+                        <a:rPr lang="en-US" sz="1600">
+                          <a:solidFill>
+                            <a:schemeClr val="tx1"/>
+                          </a:solidFill>
+                          <a:effectLst/>
+                          <a:latin typeface="Digital Strip"/>
+                          <a:cs typeface="Digital Strip"/>
+                        </a:rPr>
+                        <a:t>0.7352 </a:t>
+                      </a:r>
+                      <a:endParaRPr lang="en-US" sz="4400">
+                        <a:solidFill>
+                          <a:schemeClr val="tx1"/>
+                        </a:solidFill>
+                        <a:effectLst/>
+                        <a:latin typeface="Digital Strip"/>
+                        <a:cs typeface="Digital Strip"/>
+                      </a:endParaRPr>
+                    </a:p>
+                  </a:txBody>
+                  <a:tcPr anchor="ctr">
+                    <a:noFill/>
+                  </a:tcPr>
+                </a:tc>
+                <a:tc>
+                  <a:txBody>
+                    <a:bodyPr/>
+                    <a:lstStyle/>
+                    <a:p>
+                      <a:r>
+                        <a:rPr lang="en-US" sz="1600">
+                          <a:solidFill>
+                            <a:schemeClr val="tx1"/>
+                          </a:solidFill>
+                          <a:effectLst/>
+                          <a:latin typeface="Digital Strip"/>
+                          <a:cs typeface="Digital Strip"/>
+                        </a:rPr>
+                        <a:t>0.7636 </a:t>
+                      </a:r>
+                      <a:endParaRPr lang="en-US" sz="4400">
+                        <a:solidFill>
+                          <a:schemeClr val="tx1"/>
+                        </a:solidFill>
+                        <a:effectLst/>
+                        <a:latin typeface="Digital Strip"/>
+                        <a:cs typeface="Digital Strip"/>
+                      </a:endParaRPr>
+                    </a:p>
+                  </a:txBody>
+                  <a:tcPr anchor="ctr">
+                    <a:noFill/>
+                  </a:tcPr>
+                </a:tc>
+              </a:tr>
+              <a:tr h="370840">
+                <a:tc>
+                  <a:txBody>
+                    <a:bodyPr/>
+                    <a:lstStyle/>
+                    <a:p>
+                      <a:r>
+                        <a:rPr lang="en-US" sz="1600">
+                          <a:solidFill>
+                            <a:schemeClr val="tx1"/>
+                          </a:solidFill>
+                          <a:effectLst/>
+                          <a:latin typeface="Digital Strip"/>
+                          <a:cs typeface="Digital Strip"/>
+                        </a:rPr>
+                        <a:t>2 </a:t>
+                      </a:r>
+                      <a:endParaRPr lang="en-US" sz="4400">
+                        <a:solidFill>
+                          <a:schemeClr val="tx1"/>
+                        </a:solidFill>
+                        <a:effectLst/>
+                        <a:latin typeface="Digital Strip"/>
+                        <a:cs typeface="Digital Strip"/>
+                      </a:endParaRPr>
+                    </a:p>
+                  </a:txBody>
+                  <a:tcPr anchor="ctr">
+                    <a:noFill/>
+                  </a:tcPr>
+                </a:tc>
+                <a:tc>
+                  <a:txBody>
+                    <a:bodyPr/>
+                    <a:lstStyle/>
+                    <a:p>
+                      <a:r>
+                        <a:rPr lang="en-US" sz="1600">
+                          <a:solidFill>
+                            <a:schemeClr val="tx1"/>
+                          </a:solidFill>
+                          <a:effectLst/>
+                          <a:latin typeface="Digital Strip"/>
+                          <a:cs typeface="Digital Strip"/>
+                        </a:rPr>
+                        <a:t>0.8377 </a:t>
+                      </a:r>
+                      <a:endParaRPr lang="en-US" sz="4400">
+                        <a:solidFill>
+                          <a:schemeClr val="tx1"/>
+                        </a:solidFill>
+                        <a:effectLst/>
+                        <a:latin typeface="Digital Strip"/>
+                        <a:cs typeface="Digital Strip"/>
+                      </a:endParaRPr>
+                    </a:p>
+                  </a:txBody>
+                  <a:tcPr anchor="ctr">
+                    <a:noFill/>
+                  </a:tcPr>
+                </a:tc>
+                <a:tc>
+                  <a:txBody>
+                    <a:bodyPr/>
+                    <a:lstStyle/>
+                    <a:p>
+                      <a:r>
+                        <a:rPr lang="en-US" sz="1600">
+                          <a:solidFill>
+                            <a:schemeClr val="tx1"/>
+                          </a:solidFill>
+                          <a:effectLst/>
+                          <a:latin typeface="Digital Strip"/>
+                          <a:cs typeface="Digital Strip"/>
+                        </a:rPr>
+                        <a:t>0.7621 </a:t>
+                      </a:r>
+                      <a:endParaRPr lang="en-US" sz="4400">
+                        <a:solidFill>
+                          <a:schemeClr val="tx1"/>
+                        </a:solidFill>
+                        <a:effectLst/>
+                        <a:latin typeface="Digital Strip"/>
+                        <a:cs typeface="Digital Strip"/>
+                      </a:endParaRPr>
+                    </a:p>
+                  </a:txBody>
+                  <a:tcPr anchor="ctr">
+                    <a:noFill/>
+                  </a:tcPr>
+                </a:tc>
+              </a:tr>
+              <a:tr h="370840">
+                <a:tc>
+                  <a:txBody>
+                    <a:bodyPr/>
+                    <a:lstStyle/>
+                    <a:p>
+                      <a:r>
+                        <a:rPr lang="en-US" sz="1600">
+                          <a:solidFill>
+                            <a:schemeClr val="tx1"/>
+                          </a:solidFill>
+                          <a:effectLst/>
+                          <a:latin typeface="Digital Strip"/>
+                          <a:cs typeface="Digital Strip"/>
+                        </a:rPr>
+                        <a:t>3 </a:t>
+                      </a:r>
+                      <a:endParaRPr lang="en-US" sz="4400">
+                        <a:solidFill>
+                          <a:schemeClr val="tx1"/>
+                        </a:solidFill>
+                        <a:effectLst/>
+                        <a:latin typeface="Digital Strip"/>
+                        <a:cs typeface="Digital Strip"/>
+                      </a:endParaRPr>
+                    </a:p>
+                  </a:txBody>
+                  <a:tcPr anchor="ctr">
+                    <a:noFill/>
+                  </a:tcPr>
+                </a:tc>
+                <a:tc>
+                  <a:txBody>
+                    <a:bodyPr/>
+                    <a:lstStyle/>
+                    <a:p>
+                      <a:r>
+                        <a:rPr lang="en-US" sz="1600" dirty="0">
+                          <a:solidFill>
+                            <a:schemeClr val="tx1"/>
+                          </a:solidFill>
+                          <a:effectLst/>
+                          <a:latin typeface="Digital Strip"/>
+                          <a:cs typeface="Digital Strip"/>
+                        </a:rPr>
+                        <a:t>0.7198 </a:t>
+                      </a:r>
+                      <a:endParaRPr lang="en-US" sz="4400" dirty="0">
+                        <a:solidFill>
+                          <a:schemeClr val="tx1"/>
+                        </a:solidFill>
+                        <a:effectLst/>
+                        <a:latin typeface="Digital Strip"/>
+                        <a:cs typeface="Digital Strip"/>
+                      </a:endParaRPr>
+                    </a:p>
+                  </a:txBody>
+                  <a:tcPr anchor="ctr">
+                    <a:noFill/>
+                  </a:tcPr>
+                </a:tc>
+                <a:tc>
+                  <a:txBody>
+                    <a:bodyPr/>
+                    <a:lstStyle/>
+                    <a:p>
+                      <a:r>
+                        <a:rPr lang="en-US" sz="1600">
+                          <a:solidFill>
+                            <a:schemeClr val="tx1"/>
+                          </a:solidFill>
+                          <a:effectLst/>
+                          <a:latin typeface="Digital Strip"/>
+                          <a:cs typeface="Digital Strip"/>
+                        </a:rPr>
+                        <a:t>0.7710 </a:t>
+                      </a:r>
+                      <a:endParaRPr lang="en-US" sz="4400">
+                        <a:solidFill>
+                          <a:schemeClr val="tx1"/>
+                        </a:solidFill>
+                        <a:effectLst/>
+                        <a:latin typeface="Digital Strip"/>
+                        <a:cs typeface="Digital Strip"/>
+                      </a:endParaRPr>
+                    </a:p>
+                  </a:txBody>
+                  <a:tcPr anchor="ctr">
+                    <a:noFill/>
+                  </a:tcPr>
+                </a:tc>
+              </a:tr>
+              <a:tr h="370840">
+                <a:tc>
+                  <a:txBody>
+                    <a:bodyPr/>
+                    <a:lstStyle/>
+                    <a:p>
+                      <a:r>
+                        <a:rPr lang="en-US" sz="1600">
+                          <a:solidFill>
+                            <a:schemeClr val="tx1"/>
+                          </a:solidFill>
+                          <a:effectLst/>
+                          <a:latin typeface="Digital Strip"/>
+                          <a:cs typeface="Digital Strip"/>
+                        </a:rPr>
+                        <a:t>4 </a:t>
+                      </a:r>
+                      <a:endParaRPr lang="en-US" sz="4400">
+                        <a:solidFill>
+                          <a:schemeClr val="tx1"/>
+                        </a:solidFill>
+                        <a:effectLst/>
+                        <a:latin typeface="Digital Strip"/>
+                        <a:cs typeface="Digital Strip"/>
+                      </a:endParaRPr>
+                    </a:p>
+                  </a:txBody>
+                  <a:tcPr anchor="ctr">
+                    <a:noFill/>
+                  </a:tcPr>
+                </a:tc>
+                <a:tc>
+                  <a:txBody>
+                    <a:bodyPr/>
+                    <a:lstStyle/>
+                    <a:p>
+                      <a:r>
+                        <a:rPr lang="en-US" sz="1600">
+                          <a:solidFill>
+                            <a:schemeClr val="tx1"/>
+                          </a:solidFill>
+                          <a:effectLst/>
+                          <a:latin typeface="Digital Strip"/>
+                          <a:cs typeface="Digital Strip"/>
+                        </a:rPr>
+                        <a:t>0.7097 </a:t>
+                      </a:r>
+                      <a:endParaRPr lang="en-US" sz="4400">
+                        <a:solidFill>
+                          <a:schemeClr val="tx1"/>
+                        </a:solidFill>
+                        <a:effectLst/>
+                        <a:latin typeface="Digital Strip"/>
+                        <a:cs typeface="Digital Strip"/>
+                      </a:endParaRPr>
+                    </a:p>
+                  </a:txBody>
+                  <a:tcPr anchor="ctr">
+                    <a:noFill/>
+                  </a:tcPr>
+                </a:tc>
+                <a:tc>
+                  <a:txBody>
+                    <a:bodyPr/>
+                    <a:lstStyle/>
+                    <a:p>
+                      <a:r>
+                        <a:rPr lang="en-US" sz="1600">
+                          <a:solidFill>
+                            <a:schemeClr val="tx1"/>
+                          </a:solidFill>
+                          <a:effectLst/>
+                          <a:latin typeface="Digital Strip"/>
+                          <a:cs typeface="Digital Strip"/>
+                        </a:rPr>
+                        <a:t>0.7528 </a:t>
+                      </a:r>
+                      <a:endParaRPr lang="en-US" sz="4400">
+                        <a:solidFill>
+                          <a:schemeClr val="tx1"/>
+                        </a:solidFill>
+                        <a:effectLst/>
+                        <a:latin typeface="Digital Strip"/>
+                        <a:cs typeface="Digital Strip"/>
+                      </a:endParaRPr>
+                    </a:p>
+                  </a:txBody>
+                  <a:tcPr anchor="ctr">
+                    <a:noFill/>
+                  </a:tcPr>
+                </a:tc>
+              </a:tr>
+              <a:tr h="370840">
+                <a:tc>
+                  <a:txBody>
+                    <a:bodyPr/>
+                    <a:lstStyle/>
+                    <a:p>
+                      <a:r>
+                        <a:rPr lang="en-US" sz="1600">
+                          <a:solidFill>
+                            <a:schemeClr val="tx1"/>
+                          </a:solidFill>
+                          <a:effectLst/>
+                          <a:latin typeface="Digital Strip"/>
+                          <a:cs typeface="Digital Strip"/>
+                        </a:rPr>
+                        <a:t>5 </a:t>
+                      </a:r>
+                      <a:endParaRPr lang="en-US" sz="4400">
+                        <a:solidFill>
+                          <a:schemeClr val="tx1"/>
+                        </a:solidFill>
+                        <a:effectLst/>
+                        <a:latin typeface="Digital Strip"/>
+                        <a:cs typeface="Digital Strip"/>
+                      </a:endParaRPr>
+                    </a:p>
+                  </a:txBody>
+                  <a:tcPr anchor="ctr">
+                    <a:noFill/>
+                  </a:tcPr>
+                </a:tc>
+                <a:tc>
+                  <a:txBody>
+                    <a:bodyPr/>
+                    <a:lstStyle/>
+                    <a:p>
+                      <a:r>
+                        <a:rPr lang="en-US" sz="1600">
+                          <a:solidFill>
+                            <a:schemeClr val="tx1"/>
+                          </a:solidFill>
+                          <a:effectLst/>
+                          <a:latin typeface="Digital Strip"/>
+                          <a:cs typeface="Digital Strip"/>
+                        </a:rPr>
+                        <a:t>0.6427 </a:t>
+                      </a:r>
+                      <a:endParaRPr lang="en-US" sz="4400">
+                        <a:solidFill>
+                          <a:schemeClr val="tx1"/>
+                        </a:solidFill>
+                        <a:effectLst/>
+                        <a:latin typeface="Digital Strip"/>
+                        <a:cs typeface="Digital Strip"/>
+                      </a:endParaRPr>
+                    </a:p>
+                  </a:txBody>
+                  <a:tcPr anchor="ctr">
+                    <a:noFill/>
+                  </a:tcPr>
+                </a:tc>
+                <a:tc>
+                  <a:txBody>
+                    <a:bodyPr/>
+                    <a:lstStyle/>
+                    <a:p>
+                      <a:r>
+                        <a:rPr lang="en-US" sz="1600" dirty="0">
+                          <a:solidFill>
+                            <a:schemeClr val="tx1"/>
+                          </a:solidFill>
+                          <a:effectLst/>
+                          <a:latin typeface="Digital Strip"/>
+                          <a:cs typeface="Digital Strip"/>
+                        </a:rPr>
+                        <a:t>0.6026 </a:t>
+                      </a:r>
+                      <a:endParaRPr lang="en-US" sz="4400" dirty="0">
+                        <a:solidFill>
+                          <a:schemeClr val="tx1"/>
+                        </a:solidFill>
+                        <a:effectLst/>
+                        <a:latin typeface="Digital Strip"/>
+                        <a:cs typeface="Digital Strip"/>
+                      </a:endParaRPr>
+                    </a:p>
+                  </a:txBody>
+                  <a:tcPr anchor="ctr">
+                    <a:noFill/>
+                  </a:tcPr>
+                </a:tc>
+              </a:tr>
+            </a:tbl>
+          </a:graphicData>
+        </a:graphic>
+      </p:graphicFrame>
+      <p:sp>
+        <p:nvSpPr>
+          <p:cNvPr id="6" name="TextBox 5"/>
+          <p:cNvSpPr txBox="1"/>
+          <p:nvPr/>
+        </p:nvSpPr>
+        <p:spPr>
+          <a:xfrm>
+            <a:off x="535517" y="4259157"/>
+            <a:ext cx="8106834" cy="1815882"/>
+          </a:xfrm>
+          <a:prstGeom prst="rect">
+            <a:avLst/>
+          </a:prstGeom>
+          <a:noFill/>
+        </p:spPr>
+        <p:txBody>
+          <a:bodyPr wrap="square" rtlCol="0">
+            <a:spAutoFit/>
+          </a:bodyPr>
+          <a:lstStyle/>
+          <a:p>
+            <a:r>
+              <a:rPr lang="en-GB" sz="2800" dirty="0" smtClean="0">
+                <a:solidFill>
+                  <a:schemeClr val="accent1"/>
+                </a:solidFill>
+                <a:latin typeface="Avenir Book"/>
+                <a:cs typeface="Avenir Book"/>
+              </a:rPr>
+              <a:t>These are strangely similar… why?</a:t>
+            </a:r>
+          </a:p>
+          <a:p>
+            <a:endParaRPr lang="en-GB" sz="2800" dirty="0" smtClean="0">
+              <a:solidFill>
+                <a:schemeClr val="accent1"/>
+              </a:solidFill>
+              <a:latin typeface="Avenir Book"/>
+              <a:cs typeface="Avenir Book"/>
+            </a:endParaRPr>
+          </a:p>
+          <a:p>
+            <a:r>
+              <a:rPr lang="en-GB" sz="2800" dirty="0" smtClean="0">
+                <a:solidFill>
+                  <a:schemeClr val="accent1"/>
+                </a:solidFill>
+                <a:latin typeface="Avenir Book"/>
+                <a:cs typeface="Avenir Book"/>
+              </a:rPr>
+              <a:t>In our PGMs we assumed this was a binary labelling problem, but it’s really multi-class…</a:t>
+            </a:r>
+            <a:endParaRPr lang="en-GB" sz="2800" dirty="0">
+              <a:solidFill>
+                <a:schemeClr val="accent1"/>
+              </a:solidFill>
+              <a:latin typeface="Avenir Book"/>
+              <a:cs typeface="Avenir Book"/>
+            </a:endParaRPr>
+          </a:p>
+        </p:txBody>
+      </p:sp>
+      <p:sp>
+        <p:nvSpPr>
+          <p:cNvPr id="7" name="Oval 6"/>
+          <p:cNvSpPr/>
+          <p:nvPr/>
+        </p:nvSpPr>
+        <p:spPr>
+          <a:xfrm>
+            <a:off x="5799667" y="1894417"/>
+            <a:ext cx="1257301" cy="1651001"/>
+          </a:xfrm>
+          <a:prstGeom prst="ellipse">
+            <a:avLst/>
+          </a:prstGeom>
+          <a:noFill/>
+          <a:ln w="28575" cmpd="sng"/>
+          <a:effectLst/>
+        </p:spPr>
+        <p:style>
+          <a:lnRef idx="1">
+            <a:schemeClr val="accent1"/>
+          </a:lnRef>
+          <a:fillRef idx="3">
+            <a:schemeClr val="accent1"/>
+          </a:fillRef>
+          <a:effectRef idx="2">
+            <a:schemeClr val="accent1"/>
+          </a:effectRef>
+          <a:fontRef idx="minor">
+            <a:schemeClr val="lt1"/>
+          </a:fontRef>
+        </p:style>
+        <p:txBody>
+          <a:bodyPr rtlCol="0" anchor="ctr"/>
+          <a:lstStyle/>
+          <a:p>
+            <a:pPr algn="ctr"/>
+            <a:endParaRPr lang="en-GB"/>
+          </a:p>
+        </p:txBody>
+      </p:sp>
+    </p:spTree>
+    <p:extLst>
+      <p:ext uri="{BB962C8B-B14F-4D97-AF65-F5344CB8AC3E}">
+        <p14:creationId xmlns:p14="http://schemas.microsoft.com/office/powerpoint/2010/main" val="3593661739"/>
+      </p:ext>
+    </p:extLst>
+  </p:cSld>
+  <p:clrMapOvr>
+    <a:masterClrMapping/>
+  </p:clrMapOvr>
+</p:sld>
+</file>
+
+<file path=ppt/slides/slide17.xml><?xml version="1.0" encoding="utf-8"?>
+<p:sld xmlns:a="http://schemas.openxmlformats.org/drawingml/2006/main" xmlns:r="http://schemas.openxmlformats.org/officeDocument/2006/relationships" xmlns:p="http://schemas.openxmlformats.org/presentationml/2006/main">
+  <p:cSld>
+    <p:spTree>
+      <p:nvGrpSpPr>
+        <p:cNvPr id="1" name=""/>
+        <p:cNvGrpSpPr/>
+        <p:nvPr/>
+      </p:nvGrpSpPr>
+      <p:grpSpPr>
+        <a:xfrm>
+          <a:off x="0" y="0"/>
+          <a:ext cx="0" cy="0"/>
+          <a:chOff x="0" y="0"/>
+          <a:chExt cx="0" cy="0"/>
+        </a:xfrm>
+      </p:grpSpPr>
+      <p:sp>
+        <p:nvSpPr>
+          <p:cNvPr id="2" name="Title 1"/>
+          <p:cNvSpPr>
+            <a:spLocks noGrp="1"/>
+          </p:cNvSpPr>
+          <p:nvPr>
+            <p:ph type="title"/>
+          </p:nvPr>
+        </p:nvSpPr>
+        <p:spPr/>
+        <p:txBody>
+          <a:bodyPr>
+            <a:noAutofit/>
+          </a:bodyPr>
+          <a:lstStyle/>
+          <a:p>
+            <a:r>
+              <a:rPr lang="en-GB" sz="3200" dirty="0" smtClean="0"/>
+              <a:t>Some Thoughts for discussion</a:t>
+            </a:r>
+            <a:endParaRPr lang="en-GB" sz="3200" dirty="0"/>
           </a:p>
         </p:txBody>
       </p:sp>
@@ -2895,17 +6529,238 @@
         </p:nvSpPr>
         <p:spPr/>
         <p:txBody>
-          <a:bodyPr/>
+          <a:bodyPr>
+            <a:normAutofit lnSpcReduction="10000"/>
+          </a:bodyPr>
           <a:lstStyle/>
           <a:p>
-            <a:endParaRPr lang="en-GB" dirty="0"/>
+            <a:r>
+              <a:rPr lang="en-GB" dirty="0" smtClean="0"/>
+              <a:t>Were the questions asked of the workers too subjective?</a:t>
+            </a:r>
+          </a:p>
+          <a:p>
+            <a:pPr lvl="1"/>
+            <a:r>
+              <a:rPr lang="en-GB" dirty="0" smtClean="0"/>
+              <a:t>Is asking “is this a fashion image” more subjective than asking if a certain fashion item is present in the image?</a:t>
+            </a:r>
+          </a:p>
+          <a:p>
+            <a:pPr lvl="2"/>
+            <a:r>
+              <a:rPr lang="en-GB" dirty="0" smtClean="0"/>
+              <a:t>This might explain why our additional crowdsourcing had such a big effect on the first label, but virtually no effect on the second</a:t>
+            </a:r>
+          </a:p>
+          <a:p>
+            <a:pPr lvl="1"/>
+            <a:r>
+              <a:rPr lang="en-GB" dirty="0" smtClean="0"/>
+              <a:t>How much do the example images shown to the workers bias their scoring?</a:t>
+            </a:r>
           </a:p>
         </p:txBody>
       </p:sp>
     </p:spTree>
     <p:extLst>
       <p:ext uri="{BB962C8B-B14F-4D97-AF65-F5344CB8AC3E}">
-        <p14:creationId xmlns:p14="http://schemas.microsoft.com/office/powerpoint/2010/main" val="796180944"/>
+        <p14:creationId xmlns:p14="http://schemas.microsoft.com/office/powerpoint/2010/main" val="3152211457"/>
+      </p:ext>
+    </p:extLst>
+  </p:cSld>
+  <p:clrMapOvr>
+    <a:masterClrMapping/>
+  </p:clrMapOvr>
+</p:sld>
+</file>
+
+<file path=ppt/slides/slide18.xml><?xml version="1.0" encoding="utf-8"?>
+<p:sld xmlns:a="http://schemas.openxmlformats.org/drawingml/2006/main" xmlns:r="http://schemas.openxmlformats.org/officeDocument/2006/relationships" xmlns:p="http://schemas.openxmlformats.org/presentationml/2006/main">
+  <p:cSld>
+    <p:spTree>
+      <p:nvGrpSpPr>
+        <p:cNvPr id="1" name=""/>
+        <p:cNvGrpSpPr/>
+        <p:nvPr/>
+      </p:nvGrpSpPr>
+      <p:grpSpPr>
+        <a:xfrm>
+          <a:off x="0" y="0"/>
+          <a:ext cx="0" cy="0"/>
+          <a:chOff x="0" y="0"/>
+          <a:chExt cx="0" cy="0"/>
+        </a:xfrm>
+      </p:grpSpPr>
+      <p:sp>
+        <p:nvSpPr>
+          <p:cNvPr id="2" name="Title 1"/>
+          <p:cNvSpPr>
+            <a:spLocks noGrp="1"/>
+          </p:cNvSpPr>
+          <p:nvPr>
+            <p:ph type="title"/>
+          </p:nvPr>
+        </p:nvSpPr>
+        <p:spPr/>
+        <p:txBody>
+          <a:bodyPr>
+            <a:noAutofit/>
+          </a:bodyPr>
+          <a:lstStyle/>
+          <a:p>
+            <a:r>
+              <a:rPr lang="en-GB" sz="3200" dirty="0" smtClean="0"/>
+              <a:t>Some Thoughts for discussion</a:t>
+            </a:r>
+            <a:endParaRPr lang="en-GB" sz="3200" dirty="0"/>
+          </a:p>
+        </p:txBody>
+      </p:sp>
+      <p:sp>
+        <p:nvSpPr>
+          <p:cNvPr id="3" name="Content Placeholder 2"/>
+          <p:cNvSpPr>
+            <a:spLocks noGrp="1"/>
+          </p:cNvSpPr>
+          <p:nvPr>
+            <p:ph idx="1"/>
+          </p:nvPr>
+        </p:nvSpPr>
+        <p:spPr/>
+        <p:txBody>
+          <a:bodyPr>
+            <a:normAutofit/>
+          </a:bodyPr>
+          <a:lstStyle/>
+          <a:p>
+            <a:r>
+              <a:rPr lang="en-GB" dirty="0" smtClean="0"/>
+              <a:t>Why don’t the PGMs seem to fit well?</a:t>
+            </a:r>
+          </a:p>
+          <a:p>
+            <a:pPr lvl="1"/>
+            <a:r>
+              <a:rPr lang="en-GB" dirty="0" smtClean="0"/>
+              <a:t>We’d at least expect the label 1 score for the third run to be near that of run 2.</a:t>
+            </a:r>
+          </a:p>
+          <a:p>
+            <a:pPr lvl="1"/>
+            <a:r>
+              <a:rPr lang="en-GB" dirty="0" smtClean="0"/>
+              <a:t>Usual reasons given:</a:t>
+            </a:r>
+          </a:p>
+          <a:p>
+            <a:pPr lvl="2"/>
+            <a:r>
+              <a:rPr lang="en-GB" dirty="0" smtClean="0"/>
+              <a:t>The PGM doesn’t model the process well</a:t>
+            </a:r>
+          </a:p>
+          <a:p>
+            <a:pPr lvl="3"/>
+            <a:r>
+              <a:rPr lang="en-GB" dirty="0" smtClean="0"/>
+              <a:t>Other published work shows these models to work though… what’s special about our task?</a:t>
+            </a:r>
+          </a:p>
+          <a:p>
+            <a:pPr lvl="2"/>
+            <a:r>
+              <a:rPr lang="en-GB" dirty="0" smtClean="0"/>
+              <a:t>The data is bad and no amount of statistical tricks can make it better</a:t>
+            </a:r>
+          </a:p>
+          <a:p>
+            <a:pPr lvl="3"/>
+            <a:r>
+              <a:rPr lang="en-GB" dirty="0" smtClean="0"/>
+              <a:t>Difficult to prove/disprove, but if it is bad, why is it bad?</a:t>
+            </a:r>
+          </a:p>
+        </p:txBody>
+      </p:sp>
+    </p:spTree>
+    <p:extLst>
+      <p:ext uri="{BB962C8B-B14F-4D97-AF65-F5344CB8AC3E}">
+        <p14:creationId xmlns:p14="http://schemas.microsoft.com/office/powerpoint/2010/main" val="2038660834"/>
+      </p:ext>
+    </p:extLst>
+  </p:cSld>
+  <p:clrMapOvr>
+    <a:masterClrMapping/>
+  </p:clrMapOvr>
+</p:sld>
+</file>
+
+<file path=ppt/slides/slide19.xml><?xml version="1.0" encoding="utf-8"?>
+<p:sld xmlns:a="http://schemas.openxmlformats.org/drawingml/2006/main" xmlns:r="http://schemas.openxmlformats.org/officeDocument/2006/relationships" xmlns:p="http://schemas.openxmlformats.org/presentationml/2006/main">
+  <p:cSld>
+    <p:spTree>
+      <p:nvGrpSpPr>
+        <p:cNvPr id="1" name=""/>
+        <p:cNvGrpSpPr/>
+        <p:nvPr/>
+      </p:nvGrpSpPr>
+      <p:grpSpPr>
+        <a:xfrm>
+          <a:off x="0" y="0"/>
+          <a:ext cx="0" cy="0"/>
+          <a:chOff x="0" y="0"/>
+          <a:chExt cx="0" cy="0"/>
+        </a:xfrm>
+      </p:grpSpPr>
+      <p:sp>
+        <p:nvSpPr>
+          <p:cNvPr id="2" name="Title 1"/>
+          <p:cNvSpPr>
+            <a:spLocks noGrp="1"/>
+          </p:cNvSpPr>
+          <p:nvPr>
+            <p:ph type="ctrTitle"/>
+          </p:nvPr>
+        </p:nvSpPr>
+        <p:spPr/>
+        <p:txBody>
+          <a:bodyPr>
+            <a:noAutofit/>
+          </a:bodyPr>
+          <a:lstStyle/>
+          <a:p>
+            <a:r>
+              <a:rPr lang="en-GB" sz="3200" dirty="0" smtClean="0"/>
+              <a:t>Any Questions or comments?</a:t>
+            </a:r>
+            <a:endParaRPr lang="en-GB" sz="3200" dirty="0"/>
+          </a:p>
+        </p:txBody>
+      </p:sp>
+      <p:sp>
+        <p:nvSpPr>
+          <p:cNvPr id="4" name="Subtitle 3"/>
+          <p:cNvSpPr>
+            <a:spLocks noGrp="1"/>
+          </p:cNvSpPr>
+          <p:nvPr>
+            <p:ph type="subTitle" idx="1"/>
+          </p:nvPr>
+        </p:nvSpPr>
+        <p:spPr/>
+        <p:txBody>
+          <a:bodyPr/>
+          <a:lstStyle/>
+          <a:p>
+            <a:endParaRPr lang="en-GB"/>
+          </a:p>
+        </p:txBody>
+      </p:sp>
+    </p:spTree>
+    <p:extLst>
+      <p:ext uri="{BB962C8B-B14F-4D97-AF65-F5344CB8AC3E}">
+        <p14:creationId xmlns:p14="http://schemas.microsoft.com/office/powerpoint/2010/main" val="4224272650"/>
       </p:ext>
     </p:extLst>
   </p:cSld>
@@ -3094,7 +6949,7 @@
           <a:p>
             <a:r>
               <a:rPr lang="en-GB" dirty="0" smtClean="0"/>
-              <a:t>Run 1: Statistical Games I</a:t>
+              <a:t>Run 1: Statistical Games</a:t>
             </a:r>
             <a:endParaRPr lang="en-GB" dirty="0"/>
           </a:p>
@@ -3204,7 +7059,7 @@
           <a:p>
             <a:r>
               <a:rPr lang="en-GB" dirty="0" smtClean="0"/>
-              <a:t>Run 1: Statistical Games I</a:t>
+              <a:t>Run 1: Statistical Games</a:t>
             </a:r>
             <a:endParaRPr lang="en-GB" dirty="0"/>
           </a:p>

--- a/presentations/cs-long.pptx
+++ b/presentations/cs-long.pptx
@@ -6530,7 +6530,7 @@
         <p:spPr/>
         <p:txBody>
           <a:bodyPr>
-            <a:normAutofit lnSpcReduction="10000"/>
+            <a:normAutofit fontScale="92500" lnSpcReduction="10000"/>
           </a:bodyPr>
           <a:lstStyle/>
           <a:p>
@@ -6557,8 +6557,28 @@
             <a:pPr lvl="1"/>
             <a:r>
               <a:rPr lang="en-GB" dirty="0" smtClean="0"/>
-              <a:t>How much do the example images shown to the workers bias their scoring?</a:t>
-            </a:r>
+              <a:t>How much do the example images shown to the workers bias their scoring</a:t>
+            </a:r>
+            <a:r>
+              <a:rPr lang="en-GB" dirty="0" smtClean="0"/>
+              <a:t>?</a:t>
+            </a:r>
+          </a:p>
+          <a:p>
+            <a:pPr lvl="2"/>
+            <a:r>
+              <a:rPr lang="en-GB" dirty="0" smtClean="0"/>
+              <a:t>Is the domain of </a:t>
+            </a:r>
+            <a:r>
+              <a:rPr lang="en-GB" i="1" dirty="0" smtClean="0"/>
+              <a:t>fashion images</a:t>
+            </a:r>
+            <a:r>
+              <a:rPr lang="en-GB" dirty="0" smtClean="0"/>
+              <a:t> to big to “capture” by a few samples?</a:t>
+            </a:r>
+            <a:endParaRPr lang="en-GB" dirty="0" smtClean="0"/>
           </a:p>
         </p:txBody>
       </p:sp>
@@ -7206,7 +7226,6 @@
               <a:rPr lang="en-GB" dirty="0" smtClean="0"/>
               <a:t>Worker-label reliability</a:t>
             </a:r>
-            <a:endParaRPr lang="en-GB" dirty="0" smtClean="0"/>
           </a:p>
         </p:txBody>
       </p:sp>
